--- a/ppt/前言_關於本講義.pptx
+++ b/ppt/前言_關於本講義.pptx
@@ -8,16 +8,17 @@
     <p:sldId id="256" r:id="rId2"/>
     <p:sldId id="257" r:id="rId3"/>
     <p:sldId id="258" r:id="rId4"/>
-    <p:sldId id="259" r:id="rId5"/>
-    <p:sldId id="260" r:id="rId6"/>
-    <p:sldId id="261" r:id="rId7"/>
-    <p:sldId id="262" r:id="rId8"/>
-    <p:sldId id="263" r:id="rId9"/>
-    <p:sldId id="264" r:id="rId10"/>
-    <p:sldId id="265" r:id="rId11"/>
-    <p:sldId id="266" r:id="rId12"/>
-    <p:sldId id="275" r:id="rId13"/>
-    <p:sldId id="276" r:id="rId14"/>
+    <p:sldId id="277" r:id="rId5"/>
+    <p:sldId id="259" r:id="rId6"/>
+    <p:sldId id="260" r:id="rId7"/>
+    <p:sldId id="261" r:id="rId8"/>
+    <p:sldId id="262" r:id="rId9"/>
+    <p:sldId id="263" r:id="rId10"/>
+    <p:sldId id="264" r:id="rId11"/>
+    <p:sldId id="265" r:id="rId12"/>
+    <p:sldId id="266" r:id="rId13"/>
+    <p:sldId id="275" r:id="rId14"/>
+    <p:sldId id="276" r:id="rId15"/>
   </p:sldIdLst>
   <p:sldSz cx="12192000" cy="6858000"/>
   <p:notesSz cx="6858000" cy="9144000"/>
@@ -271,7 +272,7 @@
           <a:p>
             <a:fld id="{9449D47F-9350-4D75-8BE7-C25999CDD34D}" type="datetimeFigureOut">
               <a:rPr lang="zh-TW" altLang="en-US" smtClean="0"/>
-              <a:t>2023/6/13</a:t>
+              <a:t>2023/8/20</a:t>
             </a:fld>
             <a:endParaRPr lang="zh-TW" altLang="en-US"/>
           </a:p>
@@ -469,7 +470,7 @@
           <a:p>
             <a:fld id="{9449D47F-9350-4D75-8BE7-C25999CDD34D}" type="datetimeFigureOut">
               <a:rPr lang="zh-TW" altLang="en-US" smtClean="0"/>
-              <a:t>2023/6/13</a:t>
+              <a:t>2023/8/20</a:t>
             </a:fld>
             <a:endParaRPr lang="zh-TW" altLang="en-US"/>
           </a:p>
@@ -677,7 +678,7 @@
           <a:p>
             <a:fld id="{9449D47F-9350-4D75-8BE7-C25999CDD34D}" type="datetimeFigureOut">
               <a:rPr lang="zh-TW" altLang="en-US" smtClean="0"/>
-              <a:t>2023/6/13</a:t>
+              <a:t>2023/8/20</a:t>
             </a:fld>
             <a:endParaRPr lang="zh-TW" altLang="en-US"/>
           </a:p>
@@ -875,7 +876,7 @@
           <a:p>
             <a:fld id="{9449D47F-9350-4D75-8BE7-C25999CDD34D}" type="datetimeFigureOut">
               <a:rPr lang="zh-TW" altLang="en-US" smtClean="0"/>
-              <a:t>2023/6/13</a:t>
+              <a:t>2023/8/20</a:t>
             </a:fld>
             <a:endParaRPr lang="zh-TW" altLang="en-US"/>
           </a:p>
@@ -1150,7 +1151,7 @@
           <a:p>
             <a:fld id="{9449D47F-9350-4D75-8BE7-C25999CDD34D}" type="datetimeFigureOut">
               <a:rPr lang="zh-TW" altLang="en-US" smtClean="0"/>
-              <a:t>2023/6/13</a:t>
+              <a:t>2023/8/20</a:t>
             </a:fld>
             <a:endParaRPr lang="zh-TW" altLang="en-US"/>
           </a:p>
@@ -1415,7 +1416,7 @@
           <a:p>
             <a:fld id="{9449D47F-9350-4D75-8BE7-C25999CDD34D}" type="datetimeFigureOut">
               <a:rPr lang="zh-TW" altLang="en-US" smtClean="0"/>
-              <a:t>2023/6/13</a:t>
+              <a:t>2023/8/20</a:t>
             </a:fld>
             <a:endParaRPr lang="zh-TW" altLang="en-US"/>
           </a:p>
@@ -1827,7 +1828,7 @@
           <a:p>
             <a:fld id="{9449D47F-9350-4D75-8BE7-C25999CDD34D}" type="datetimeFigureOut">
               <a:rPr lang="zh-TW" altLang="en-US" smtClean="0"/>
-              <a:t>2023/6/13</a:t>
+              <a:t>2023/8/20</a:t>
             </a:fld>
             <a:endParaRPr lang="zh-TW" altLang="en-US"/>
           </a:p>
@@ -1968,7 +1969,7 @@
           <a:p>
             <a:fld id="{9449D47F-9350-4D75-8BE7-C25999CDD34D}" type="datetimeFigureOut">
               <a:rPr lang="zh-TW" altLang="en-US" smtClean="0"/>
-              <a:t>2023/6/13</a:t>
+              <a:t>2023/8/20</a:t>
             </a:fld>
             <a:endParaRPr lang="zh-TW" altLang="en-US"/>
           </a:p>
@@ -2081,7 +2082,7 @@
           <a:p>
             <a:fld id="{9449D47F-9350-4D75-8BE7-C25999CDD34D}" type="datetimeFigureOut">
               <a:rPr lang="zh-TW" altLang="en-US" smtClean="0"/>
-              <a:t>2023/6/13</a:t>
+              <a:t>2023/8/20</a:t>
             </a:fld>
             <a:endParaRPr lang="zh-TW" altLang="en-US"/>
           </a:p>
@@ -2392,7 +2393,7 @@
           <a:p>
             <a:fld id="{9449D47F-9350-4D75-8BE7-C25999CDD34D}" type="datetimeFigureOut">
               <a:rPr lang="zh-TW" altLang="en-US" smtClean="0"/>
-              <a:t>2023/6/13</a:t>
+              <a:t>2023/8/20</a:t>
             </a:fld>
             <a:endParaRPr lang="zh-TW" altLang="en-US"/>
           </a:p>
@@ -2680,7 +2681,7 @@
           <a:p>
             <a:fld id="{9449D47F-9350-4D75-8BE7-C25999CDD34D}" type="datetimeFigureOut">
               <a:rPr lang="zh-TW" altLang="en-US" smtClean="0"/>
-              <a:t>2023/6/13</a:t>
+              <a:t>2023/8/20</a:t>
             </a:fld>
             <a:endParaRPr lang="zh-TW" altLang="en-US"/>
           </a:p>
@@ -2921,7 +2922,7 @@
           <a:p>
             <a:fld id="{9449D47F-9350-4D75-8BE7-C25999CDD34D}" type="datetimeFigureOut">
               <a:rPr lang="zh-TW" altLang="en-US" smtClean="0"/>
-              <a:t>2023/6/13</a:t>
+              <a:t>2023/8/20</a:t>
             </a:fld>
             <a:endParaRPr lang="zh-TW" altLang="en-US"/>
           </a:p>
@@ -3456,39 +3457,10 @@
       </p:grpSpPr>
       <p:sp>
         <p:nvSpPr>
-          <p:cNvPr id="2" name="標題 1">
-            <a:extLst>
-              <a:ext uri="{FF2B5EF4-FFF2-40B4-BE49-F238E27FC236}">
-                <a16:creationId xmlns:a16="http://schemas.microsoft.com/office/drawing/2014/main" id="{E1B452CF-5350-41A2-9F93-8F70A80FE906}"/>
-              </a:ext>
-            </a:extLst>
-          </p:cNvPr>
-          <p:cNvSpPr>
-            <a:spLocks noGrp="1"/>
-          </p:cNvSpPr>
-          <p:nvPr>
-            <p:ph type="title"/>
-          </p:nvPr>
-        </p:nvSpPr>
-        <p:spPr/>
-        <p:txBody>
-          <a:bodyPr/>
-          <a:lstStyle/>
-          <a:p>
-            <a:r>
-              <a:rPr lang="zh-TW" altLang="en-US" b="1" dirty="0"/>
-              <a:t>講義使用資料</a:t>
-            </a:r>
-            <a:endParaRPr lang="zh-TW" altLang="en-US" dirty="0"/>
-          </a:p>
-        </p:txBody>
-      </p:sp>
-      <p:sp>
-        <p:nvSpPr>
           <p:cNvPr id="3" name="內容版面配置區 2">
             <a:extLst>
               <a:ext uri="{FF2B5EF4-FFF2-40B4-BE49-F238E27FC236}">
-                <a16:creationId xmlns:a16="http://schemas.microsoft.com/office/drawing/2014/main" id="{9D99FD3C-FEA3-4D62-8152-B3B71E51F91F}"/>
+                <a16:creationId xmlns:a16="http://schemas.microsoft.com/office/drawing/2014/main" id="{3FC70206-CA7A-4F44-8BB2-6BB677579D5C}"/>
               </a:ext>
             </a:extLst>
           </p:cNvPr>
@@ -3501,29 +3473,17 @@
         </p:nvSpPr>
         <p:spPr>
           <a:xfrm>
-            <a:off x="143435" y="1825624"/>
-            <a:ext cx="5024639" cy="4888941"/>
+            <a:off x="838200" y="785719"/>
+            <a:ext cx="10515600" cy="4351338"/>
           </a:xfrm>
         </p:spPr>
         <p:txBody>
-          <a:bodyPr>
-            <a:normAutofit lnSpcReduction="10000"/>
-          </a:bodyPr>
-          <a:lstStyle/>
-          <a:p>
-            <a:r>
-              <a:rPr lang="zh-TW" altLang="en-US" dirty="0"/>
-              <a:t>講義後續範例會使用</a:t>
-            </a:r>
-            <a:r>
-              <a:rPr lang="zh-TW" altLang="en-US" dirty="0">
-                <a:hlinkClick r:id="rId3"/>
-              </a:rPr>
-              <a:t>世界價值觀第七波的台灣調查</a:t>
-            </a:r>
-            <a:r>
-              <a:rPr lang="zh-TW" altLang="en-US" dirty="0"/>
-              <a:t>，資料可在</a:t>
+          <a:bodyPr/>
+          <a:lstStyle/>
+          <a:p>
+            <a:r>
+              <a:rPr lang="zh-TW" altLang="en-US" dirty="0"/>
+              <a:t>調查型資料的資源也非常豐富，</a:t>
             </a:r>
             <a:r>
               <a:rPr lang="en-US" altLang="zh-TW" dirty="0"/>
@@ -3531,73 +3491,17 @@
             </a:r>
             <a:r>
               <a:rPr lang="zh-TW" altLang="en-US" dirty="0"/>
-              <a:t>上下載取得，或是在</a:t>
-            </a:r>
-            <a:r>
-              <a:rPr lang="zh-TW" altLang="en-US" dirty="0">
-                <a:hlinkClick r:id="rId4"/>
-              </a:rPr>
-              <a:t>此連結</a:t>
-            </a:r>
-            <a:r>
-              <a:rPr lang="zh-TW" altLang="en-US" dirty="0"/>
-              <a:t>下載使用</a:t>
-            </a:r>
-            <a:endParaRPr lang="en-US" altLang="zh-TW" dirty="0"/>
-          </a:p>
-          <a:p>
-            <a:r>
-              <a:rPr lang="zh-TW" altLang="en-US" sz="2600" dirty="0"/>
-              <a:t>參考</a:t>
-            </a:r>
-            <a:r>
-              <a:rPr lang="en-US" altLang="zh-TW" sz="2600" dirty="0"/>
-              <a:t>:</a:t>
-            </a:r>
-            <a:r>
-              <a:rPr lang="zh-TW" altLang="en-US" sz="2600" dirty="0"/>
-              <a:t>蔡明璋、陳志柔</a:t>
-            </a:r>
-            <a:r>
-              <a:rPr lang="en-US" altLang="zh-TW" sz="2600" dirty="0"/>
-              <a:t>(2023)</a:t>
-            </a:r>
-            <a:r>
-              <a:rPr lang="zh-TW" altLang="en-US" sz="2600" dirty="0"/>
-              <a:t>。物質主義、後物質主義與新政治：世界價值觀第七波的台灣調查與亞洲國家的比較</a:t>
-            </a:r>
-            <a:r>
-              <a:rPr lang="en-US" altLang="zh-TW" sz="2600" dirty="0"/>
-              <a:t>(C00344)【</a:t>
-            </a:r>
-            <a:r>
-              <a:rPr lang="zh-TW" altLang="en-US" sz="2600" dirty="0"/>
-              <a:t>原始數據</a:t>
-            </a:r>
-            <a:r>
-              <a:rPr lang="en-US" altLang="zh-TW" sz="2600" dirty="0"/>
-              <a:t>】</a:t>
-            </a:r>
-            <a:r>
-              <a:rPr lang="zh-TW" altLang="en-US" sz="2600" dirty="0"/>
-              <a:t>取自中央研究院人文社會科學研究中心調查研究專題中心學術調查研究資料庫。</a:t>
-            </a:r>
-            <a:r>
-              <a:rPr lang="en-US" altLang="zh-TW" sz="2600" dirty="0">
-                <a:hlinkClick r:id="rId5"/>
-              </a:rPr>
-              <a:t>https://doi.org/10.6141/TW-SRDA-C00344-1</a:t>
-            </a:r>
-            <a:endParaRPr lang="en-US" altLang="zh-TW" sz="2600" dirty="0"/>
+              <a:t>也只是整理出部份台灣的調查資料，另外一些可能是放在該調查官網需自行下載，或是跨國型資料、國外的調查資料，有些可能須申請，有些是公開的，大多數都有問卷可以先查看是否有想要分析的題目再決定是否使用該資料，若有需要可以依需求自行搜索並下載</a:t>
+            </a:r>
           </a:p>
         </p:txBody>
       </p:sp>
       <p:pic>
         <p:nvPicPr>
-          <p:cNvPr id="4" name="圖片 3">
-            <a:extLst>
-              <a:ext uri="{FF2B5EF4-FFF2-40B4-BE49-F238E27FC236}">
-                <a16:creationId xmlns:a16="http://schemas.microsoft.com/office/drawing/2014/main" id="{901F337B-76C8-4E40-B7A8-6690A5E24A31}"/>
+          <p:cNvPr id="5" name="圖片 4">
+            <a:extLst>
+              <a:ext uri="{FF2B5EF4-FFF2-40B4-BE49-F238E27FC236}">
+                <a16:creationId xmlns:a16="http://schemas.microsoft.com/office/drawing/2014/main" id="{C1279F72-24B7-41CC-A736-2D6715733F2C}"/>
               </a:ext>
             </a:extLst>
           </p:cNvPr>
@@ -3607,21 +3511,146 @@
           <p:nvPr/>
         </p:nvPicPr>
         <p:blipFill>
-          <a:blip r:embed="rId6"/>
+          <a:blip r:embed="rId3"/>
           <a:stretch>
             <a:fillRect/>
           </a:stretch>
         </p:blipFill>
         <p:spPr>
           <a:xfrm>
-            <a:off x="5168075" y="797859"/>
-            <a:ext cx="7023925" cy="5916706"/>
+            <a:off x="1209955" y="3275153"/>
+            <a:ext cx="5953125" cy="2686050"/>
           </a:xfrm>
           <a:prstGeom prst="rect">
             <a:avLst/>
           </a:prstGeom>
         </p:spPr>
       </p:pic>
+    </p:spTree>
+    <p:custDataLst>
+      <p:tags r:id="rId1"/>
+    </p:custDataLst>
+    <p:extLst>
+      <p:ext uri="{BB962C8B-B14F-4D97-AF65-F5344CB8AC3E}">
+        <p14:creationId xmlns:p14="http://schemas.microsoft.com/office/powerpoint/2010/main" val="4034054043"/>
+      </p:ext>
+    </p:extLst>
+  </p:cSld>
+  <p:clrMapOvr>
+    <a:masterClrMapping/>
+  </p:clrMapOvr>
+</p:sld>
+</file>
+
+<file path=ppt/slides/slide11.xml><?xml version="1.0" encoding="utf-8"?>
+<p:sld xmlns:a="http://schemas.openxmlformats.org/drawingml/2006/main" xmlns:r="http://schemas.openxmlformats.org/officeDocument/2006/relationships" xmlns:p="http://schemas.openxmlformats.org/presentationml/2006/main">
+  <p:cSld>
+    <p:spTree>
+      <p:nvGrpSpPr>
+        <p:cNvPr id="1" name=""/>
+        <p:cNvGrpSpPr/>
+        <p:nvPr/>
+      </p:nvGrpSpPr>
+      <p:grpSpPr>
+        <a:xfrm>
+          <a:off x="0" y="0"/>
+          <a:ext cx="0" cy="0"/>
+          <a:chOff x="0" y="0"/>
+          <a:chExt cx="0" cy="0"/>
+        </a:xfrm>
+      </p:grpSpPr>
+      <p:sp>
+        <p:nvSpPr>
+          <p:cNvPr id="2" name="標題 1">
+            <a:extLst>
+              <a:ext uri="{FF2B5EF4-FFF2-40B4-BE49-F238E27FC236}">
+                <a16:creationId xmlns:a16="http://schemas.microsoft.com/office/drawing/2014/main" id="{E1B452CF-5350-41A2-9F93-8F70A80FE906}"/>
+              </a:ext>
+            </a:extLst>
+          </p:cNvPr>
+          <p:cNvSpPr>
+            <a:spLocks noGrp="1"/>
+          </p:cNvSpPr>
+          <p:nvPr>
+            <p:ph type="title"/>
+          </p:nvPr>
+        </p:nvSpPr>
+        <p:spPr/>
+        <p:txBody>
+          <a:bodyPr/>
+          <a:lstStyle/>
+          <a:p>
+            <a:r>
+              <a:rPr lang="zh-TW" altLang="en-US" b="1" dirty="0"/>
+              <a:t>講義使用資料</a:t>
+            </a:r>
+            <a:endParaRPr lang="zh-TW" altLang="en-US" dirty="0"/>
+          </a:p>
+        </p:txBody>
+      </p:sp>
+      <p:sp>
+        <p:nvSpPr>
+          <p:cNvPr id="3" name="內容版面配置區 2">
+            <a:extLst>
+              <a:ext uri="{FF2B5EF4-FFF2-40B4-BE49-F238E27FC236}">
+                <a16:creationId xmlns:a16="http://schemas.microsoft.com/office/drawing/2014/main" id="{9D99FD3C-FEA3-4D62-8152-B3B71E51F91F}"/>
+              </a:ext>
+            </a:extLst>
+          </p:cNvPr>
+          <p:cNvSpPr>
+            <a:spLocks noGrp="1"/>
+          </p:cNvSpPr>
+          <p:nvPr>
+            <p:ph idx="1"/>
+          </p:nvPr>
+        </p:nvSpPr>
+        <p:spPr>
+          <a:xfrm>
+            <a:off x="838200" y="1895962"/>
+            <a:ext cx="8256987" cy="4888941"/>
+          </a:xfrm>
+        </p:spPr>
+        <p:txBody>
+          <a:bodyPr>
+            <a:normAutofit/>
+          </a:bodyPr>
+          <a:lstStyle/>
+          <a:p>
+            <a:r>
+              <a:rPr lang="zh-TW" altLang="en-US" b="0" i="0" dirty="0">
+                <a:solidFill>
+                  <a:srgbClr val="333333"/>
+                </a:solidFill>
+                <a:effectLst/>
+                <a:latin typeface="Helvetica Neue"/>
+              </a:rPr>
+              <a:t>講義有使用到的資料都可以從</a:t>
+            </a:r>
+            <a:r>
+              <a:rPr lang="zh-TW" altLang="en-US" b="0" i="0" u="none" strike="noStrike" dirty="0">
+                <a:solidFill>
+                  <a:srgbClr val="4183C4"/>
+                </a:solidFill>
+                <a:effectLst/>
+                <a:latin typeface="Helvetica Neue"/>
+                <a:hlinkClick r:id="rId3"/>
+              </a:rPr>
+              <a:t>這裡</a:t>
+            </a:r>
+            <a:r>
+              <a:rPr lang="zh-TW" altLang="en-US" b="0" i="0" dirty="0">
+                <a:solidFill>
+                  <a:srgbClr val="333333"/>
+                </a:solidFill>
+                <a:effectLst/>
+                <a:latin typeface="Helvetica Neue"/>
+              </a:rPr>
+              <a:t>下載</a:t>
+            </a:r>
+            <a:endParaRPr lang="en-US" altLang="zh-TW" sz="2600" dirty="0"/>
+          </a:p>
+        </p:txBody>
+      </p:sp>
     </p:spTree>
     <p:custDataLst>
       <p:tags r:id="rId1"/>
@@ -3638,7 +3667,7 @@
 </p:sld>
 </file>
 
-<file path=ppt/slides/slide11.xml><?xml version="1.0" encoding="utf-8"?>
+<file path=ppt/slides/slide12.xml><?xml version="1.0" encoding="utf-8"?>
 <p:sld xmlns:a="http://schemas.openxmlformats.org/drawingml/2006/main" xmlns:r="http://schemas.openxmlformats.org/officeDocument/2006/relationships" xmlns:p="http://schemas.openxmlformats.org/presentationml/2006/main">
   <p:cSld>
     <p:spTree>
@@ -4099,7 +4128,7 @@
 </p:sld>
 </file>
 
-<file path=ppt/slides/slide12.xml><?xml version="1.0" encoding="utf-8"?>
+<file path=ppt/slides/slide13.xml><?xml version="1.0" encoding="utf-8"?>
 <p:sld xmlns:a="http://schemas.openxmlformats.org/drawingml/2006/main" xmlns:r="http://schemas.openxmlformats.org/officeDocument/2006/relationships" xmlns:p="http://schemas.openxmlformats.org/presentationml/2006/main">
   <p:cSld>
     <p:spTree>
@@ -4180,7 +4209,9 @@
           </a:xfrm>
         </p:spPr>
         <p:txBody>
-          <a:bodyPr/>
+          <a:bodyPr>
+            <a:normAutofit fontScale="92500" lnSpcReduction="20000"/>
+          </a:bodyPr>
           <a:lstStyle/>
           <a:p>
             <a:pPr marL="0" indent="0">
@@ -4209,41 +4240,78 @@
           <a:p>
             <a:r>
               <a:rPr lang="zh-TW" altLang="en-US" dirty="0"/>
-              <a:t>選取</a:t>
-            </a:r>
-          </a:p>
-          <a:p>
-            <a:r>
-              <a:rPr lang="zh-TW" altLang="en-US" dirty="0"/>
-              <a:t>新增</a:t>
-            </a:r>
-          </a:p>
-          <a:p>
-            <a:r>
-              <a:rPr lang="zh-TW" altLang="en-US" dirty="0"/>
-              <a:t>替換</a:t>
-            </a:r>
-          </a:p>
-          <a:p>
-            <a:r>
-              <a:rPr lang="zh-TW" altLang="en-US" dirty="0"/>
-              <a:t>刪除</a:t>
-            </a:r>
-          </a:p>
-          <a:p>
-            <a:r>
-              <a:rPr lang="zh-TW" altLang="en-US" dirty="0"/>
-              <a:t>判斷位置</a:t>
-            </a:r>
-          </a:p>
-          <a:p>
-            <a:r>
-              <a:rPr lang="zh-TW" altLang="en-US" dirty="0"/>
-              <a:t>命名</a:t>
-            </a:r>
-          </a:p>
-          <a:p>
-            <a:endParaRPr lang="zh-TW" altLang="en-US" dirty="0"/>
+              <a:t>值與元素</a:t>
+            </a:r>
+          </a:p>
+          <a:p>
+            <a:r>
+              <a:rPr lang="zh-TW" altLang="en-US" dirty="0"/>
+              <a:t>元素位置</a:t>
+            </a:r>
+          </a:p>
+          <a:p>
+            <a:r>
+              <a:rPr lang="zh-TW" altLang="en-US" dirty="0"/>
+              <a:t>檢索</a:t>
+            </a:r>
+            <a:r>
+              <a:rPr lang="en-US" altLang="zh-TW" dirty="0"/>
+              <a:t>/</a:t>
+            </a:r>
+            <a:r>
+              <a:rPr lang="zh-TW" altLang="en-US" dirty="0"/>
+              <a:t>取出元素</a:t>
+            </a:r>
+            <a:endParaRPr lang="en-US" altLang="zh-TW" dirty="0"/>
+          </a:p>
+          <a:p>
+            <a:r>
+              <a:rPr lang="en-US" altLang="zh-TW" dirty="0"/>
+              <a:t>[[]]</a:t>
+            </a:r>
+            <a:r>
+              <a:rPr lang="zh-TW" altLang="en-US" dirty="0"/>
+              <a:t>和</a:t>
+            </a:r>
+            <a:r>
+              <a:rPr lang="en-US" altLang="zh-TW" dirty="0"/>
+              <a:t>[] </a:t>
+            </a:r>
+            <a:r>
+              <a:rPr lang="zh-TW" altLang="en-US" dirty="0"/>
+              <a:t>差異</a:t>
+            </a:r>
+            <a:endParaRPr lang="en-US" altLang="zh-TW" dirty="0"/>
+          </a:p>
+          <a:p>
+            <a:r>
+              <a:rPr lang="zh-TW" altLang="en-US" dirty="0"/>
+              <a:t>替換元素</a:t>
+            </a:r>
+          </a:p>
+          <a:p>
+            <a:r>
+              <a:rPr lang="zh-TW" altLang="en-US" dirty="0"/>
+              <a:t>新增元素</a:t>
+            </a:r>
+          </a:p>
+          <a:p>
+            <a:r>
+              <a:rPr lang="zh-TW" altLang="en-US" dirty="0"/>
+              <a:t>刪除元素</a:t>
+            </a:r>
+          </a:p>
+          <a:p>
+            <a:r>
+              <a:rPr lang="zh-TW" altLang="en-US" dirty="0"/>
+              <a:t>判斷位置的其他方法</a:t>
+            </a:r>
+          </a:p>
+          <a:p>
+            <a:r>
+              <a:rPr lang="zh-TW" altLang="en-US" dirty="0"/>
+              <a:t>元素命名</a:t>
+            </a:r>
           </a:p>
         </p:txBody>
       </p:sp>
@@ -4510,7 +4578,7 @@
 </p:sld>
 </file>
 
-<file path=ppt/slides/slide13.xml><?xml version="1.0" encoding="utf-8"?>
+<file path=ppt/slides/slide14.xml><?xml version="1.0" encoding="utf-8"?>
 <p:sld xmlns:a="http://schemas.openxmlformats.org/drawingml/2006/main" xmlns:r="http://schemas.openxmlformats.org/officeDocument/2006/relationships" xmlns:p="http://schemas.openxmlformats.org/presentationml/2006/main">
   <p:cSld>
     <p:spTree>
@@ -4621,12 +4689,6 @@
             <a:r>
               <a:rPr lang="zh-TW" altLang="en-US" dirty="0"/>
               <a:t>前置準備</a:t>
-            </a:r>
-          </a:p>
-          <a:p>
-            <a:r>
-              <a:rPr lang="zh-TW" altLang="en-US" dirty="0"/>
-              <a:t>資料檢誤</a:t>
             </a:r>
           </a:p>
           <a:p>
@@ -4999,7 +5061,7 @@
             </a:pPr>
             <a:r>
               <a:rPr lang="zh-TW" altLang="en-US" dirty="0"/>
-              <a:t>這份講義是希望讓原本沒有程式與或統計基礎的人，能夠在短時間初步了解</a:t>
+              <a:t>由於是初步介紹的入門講義，因此會簡單介紹一下</a:t>
             </a:r>
             <a:r>
               <a:rPr lang="en-US" altLang="zh-TW" dirty="0"/>
@@ -5007,24 +5069,17 @@
             </a:r>
             <a:r>
               <a:rPr lang="zh-TW" altLang="en-US" dirty="0"/>
-              <a:t>語言的</a:t>
-            </a:r>
-            <a:r>
-              <a:rPr lang="zh-TW" altLang="en-US" b="1" dirty="0"/>
-              <a:t>簡單概念和操作</a:t>
-            </a:r>
-            <a:r>
-              <a:rPr lang="zh-TW" altLang="en-US" dirty="0"/>
-              <a:t>，以及能夠</a:t>
-            </a:r>
-            <a:r>
-              <a:rPr lang="zh-TW" altLang="en-US" b="1" dirty="0"/>
-              <a:t>進行初步的資料讀取、清理、分析與視覺化</a:t>
-            </a:r>
-            <a:r>
-              <a:rPr lang="zh-TW" altLang="en-US" dirty="0"/>
-              <a:t>。</a:t>
-            </a:r>
+              <a:t>的基礎概念，但部分過於涉及程式設計的部分會稍微略過，重點會放在了解</a:t>
+            </a:r>
+            <a:r>
+              <a:rPr lang="en-US" altLang="zh-TW" dirty="0"/>
+              <a:t>R</a:t>
+            </a:r>
+            <a:r>
+              <a:rPr lang="zh-TW" altLang="en-US" dirty="0"/>
+              <a:t>的基礎概念、資料處理以及後續使用資料實作初步統計與視覺化部分</a:t>
+            </a:r>
+            <a:endParaRPr lang="en-US" altLang="zh-TW" dirty="0"/>
           </a:p>
           <a:p>
             <a:pPr marL="0" indent="0">
@@ -5182,13 +5237,13 @@
         </p:nvSpPr>
         <p:spPr>
           <a:xfrm>
-            <a:off x="838200" y="1825625"/>
-            <a:ext cx="10672482" cy="4736540"/>
+            <a:off x="838200" y="1690688"/>
+            <a:ext cx="10672482" cy="4371033"/>
           </a:xfrm>
         </p:spPr>
         <p:txBody>
           <a:bodyPr>
-            <a:normAutofit lnSpcReduction="10000"/>
+            <a:normAutofit/>
           </a:bodyPr>
           <a:lstStyle/>
           <a:p>
@@ -5201,47 +5256,23 @@
             </a:r>
             <a:r>
               <a:rPr lang="zh-TW" altLang="en-US" dirty="0"/>
-              <a:t>的好處在於</a:t>
-            </a:r>
-            <a:r>
-              <a:rPr lang="zh-TW" altLang="en-US" b="1" dirty="0"/>
-              <a:t>免費</a:t>
-            </a:r>
-            <a:r>
-              <a:rPr lang="zh-TW" altLang="en-US" dirty="0"/>
-              <a:t>、靈活，且有許多額外的套件輔助分析，若想要做的分析一般的套件沒有支援時，可以自寫函數或程式來處理，另外在</a:t>
-            </a:r>
-            <a:r>
-              <a:rPr lang="zh-TW" altLang="en-US" b="1" dirty="0"/>
-              <a:t>統計方法與視覺化</a:t>
-            </a:r>
-            <a:r>
-              <a:rPr lang="zh-TW" altLang="en-US" dirty="0"/>
-              <a:t>上面都有很多應用，且網路上有很多自學資源以及論壇解答遇到的問題。</a:t>
-            </a:r>
-            <a:br>
-              <a:rPr lang="zh-TW" altLang="en-US" dirty="0"/>
-            </a:br>
-            <a:r>
-              <a:rPr lang="zh-TW" altLang="en-US" dirty="0"/>
-              <a:t>缺點在於學習坡度較高、需要學習程式語言，新的外裝套件並沒有通過學術檢證、沒有售後服務。</a:t>
+              <a:t>的好處在於免費、靈活，且有許多額外的套件輔助分析，若想要做的分析一般的套件沒有支援時，可以自寫函數或程式來處理，另外在統計方法與視覺化上面都有很多應用，且網路上有很多自學資源以及論壇解答遇到的問題。</a:t>
             </a:r>
             <a:endParaRPr lang="en-US" altLang="zh-TW" dirty="0"/>
           </a:p>
           <a:p>
-            <a:r>
-              <a:rPr lang="zh-TW" altLang="en-US" b="1" dirty="0"/>
-              <a:t>學習目標</a:t>
-            </a:r>
-          </a:p>
-          <a:p>
-            <a:pPr marL="514350" indent="-514350">
-              <a:buFont typeface="+mj-lt"/>
-              <a:buAutoNum type="arabicPeriod"/>
+            <a:pPr marL="0" indent="0">
+              <a:buNone/>
             </a:pPr>
-            <a:r>
-              <a:rPr lang="zh-TW" altLang="en-US" dirty="0"/>
-              <a:t>初步認識</a:t>
+            <a:endParaRPr lang="zh-TW" altLang="en-US" dirty="0"/>
+          </a:p>
+          <a:p>
+            <a:pPr marL="0" indent="0">
+              <a:buNone/>
+            </a:pPr>
+            <a:r>
+              <a:rPr lang="zh-TW" altLang="en-US" dirty="0"/>
+              <a:t>缺點在於，由於</a:t>
             </a:r>
             <a:r>
               <a:rPr lang="en-US" altLang="zh-TW" dirty="0"/>
@@ -5249,72 +5280,46 @@
             </a:r>
             <a:r>
               <a:rPr lang="zh-TW" altLang="en-US" dirty="0"/>
-              <a:t>語言與</a:t>
+              <a:t>是由類似程式語言的方式執行，因此在學習上會比</a:t>
             </a:r>
             <a:r>
               <a:rPr lang="en-US" altLang="zh-TW" dirty="0"/>
-              <a:t>R</a:t>
-            </a:r>
-            <a:r>
-              <a:rPr lang="zh-TW" altLang="en-US" dirty="0"/>
-              <a:t>語言基礎概念</a:t>
-            </a:r>
-          </a:p>
-          <a:p>
-            <a:pPr marL="514350" indent="-514350">
-              <a:buFont typeface="+mj-lt"/>
-              <a:buAutoNum type="arabicPeriod"/>
+              <a:t>excel</a:t>
+            </a:r>
+            <a:r>
+              <a:rPr lang="zh-TW" altLang="en-US" dirty="0"/>
+              <a:t>、</a:t>
+            </a:r>
+            <a:r>
+              <a:rPr lang="en-US" altLang="zh-TW" dirty="0" err="1"/>
+              <a:t>spss</a:t>
+            </a:r>
+            <a:r>
+              <a:rPr lang="zh-TW" altLang="en-US" dirty="0"/>
+              <a:t>、</a:t>
+            </a:r>
+            <a:r>
+              <a:rPr lang="en-US" altLang="zh-TW" dirty="0" err="1"/>
+              <a:t>stata</a:t>
+            </a:r>
+            <a:r>
+              <a:rPr lang="zh-TW" altLang="en-US" dirty="0"/>
+              <a:t>等統計軟體再困難一些，較接近</a:t>
+            </a:r>
+            <a:r>
+              <a:rPr lang="en-US" altLang="zh-TW" dirty="0"/>
+              <a:t>python</a:t>
+            </a:r>
+            <a:r>
+              <a:rPr lang="zh-TW" altLang="en-US" dirty="0"/>
+              <a:t>，因此學習坡度較高、需要學習程式語言，且一些新的外裝套件並沒有通過學術檢證、沒有售後服務。</a:t>
+            </a:r>
+            <a:endParaRPr lang="en-US" altLang="zh-TW" dirty="0"/>
+          </a:p>
+          <a:p>
+            <a:pPr marL="0" indent="0">
+              <a:buNone/>
             </a:pPr>
-            <a:r>
-              <a:rPr lang="zh-TW" altLang="en-US" dirty="0"/>
-              <a:t>運用</a:t>
-            </a:r>
-            <a:r>
-              <a:rPr lang="en-US" altLang="zh-TW" dirty="0"/>
-              <a:t>R</a:t>
-            </a:r>
-            <a:r>
-              <a:rPr lang="zh-TW" altLang="en-US" dirty="0"/>
-              <a:t>語言讀取、整理資料</a:t>
-            </a:r>
-          </a:p>
-          <a:p>
-            <a:pPr marL="514350" indent="-514350">
-              <a:buFont typeface="+mj-lt"/>
-              <a:buAutoNum type="arabicPeriod"/>
-            </a:pPr>
-            <a:r>
-              <a:rPr lang="zh-TW" altLang="en-US" dirty="0"/>
-              <a:t>運用</a:t>
-            </a:r>
-            <a:r>
-              <a:rPr lang="en-US" altLang="zh-TW" dirty="0"/>
-              <a:t>R</a:t>
-            </a:r>
-            <a:r>
-              <a:rPr lang="zh-TW" altLang="en-US" dirty="0"/>
-              <a:t>語言進行簡單資料清理</a:t>
-            </a:r>
-          </a:p>
-          <a:p>
-            <a:pPr marL="514350" indent="-514350">
-              <a:buFont typeface="+mj-lt"/>
-              <a:buAutoNum type="arabicPeriod"/>
-            </a:pPr>
-            <a:r>
-              <a:rPr lang="zh-TW" altLang="en-US" dirty="0"/>
-              <a:t>運用</a:t>
-            </a:r>
-            <a:r>
-              <a:rPr lang="en-US" altLang="zh-TW" dirty="0"/>
-              <a:t>R</a:t>
-            </a:r>
-            <a:r>
-              <a:rPr lang="zh-TW" altLang="en-US" dirty="0"/>
-              <a:t>語言進行簡單探索性分析與資料視覺化</a:t>
-            </a:r>
-          </a:p>
-          <a:p>
             <a:endParaRPr lang="zh-TW" altLang="en-US" dirty="0"/>
           </a:p>
         </p:txBody>
@@ -5357,7 +5362,7 @@
           <p:cNvPr id="2" name="標題 1">
             <a:extLst>
               <a:ext uri="{FF2B5EF4-FFF2-40B4-BE49-F238E27FC236}">
-                <a16:creationId xmlns:a16="http://schemas.microsoft.com/office/drawing/2014/main" id="{E1B452CF-5350-41A2-9F93-8F70A80FE906}"/>
+                <a16:creationId xmlns:a16="http://schemas.microsoft.com/office/drawing/2014/main" id="{B37DD3E5-C0C8-4C2F-94B8-2068EF36D72F}"/>
               </a:ext>
             </a:extLst>
           </p:cNvPr>
@@ -5375,15 +5380,7 @@
           <a:p>
             <a:r>
               <a:rPr lang="zh-TW" altLang="en-US" b="1" dirty="0"/>
-              <a:t>參考資料</a:t>
-            </a:r>
-            <a:r>
-              <a:rPr lang="en-US" altLang="zh-TW" b="1" dirty="0"/>
-              <a:t>-</a:t>
-            </a:r>
-            <a:r>
-              <a:rPr lang="zh-TW" altLang="en-US" b="1" dirty="0"/>
-              <a:t>講義</a:t>
+              <a:t>學習目標</a:t>
             </a:r>
             <a:endParaRPr lang="zh-TW" altLang="en-US" dirty="0"/>
           </a:p>
@@ -5394,7 +5391,7 @@
           <p:cNvPr id="3" name="內容版面配置區 2">
             <a:extLst>
               <a:ext uri="{FF2B5EF4-FFF2-40B4-BE49-F238E27FC236}">
-                <a16:creationId xmlns:a16="http://schemas.microsoft.com/office/drawing/2014/main" id="{9D99FD3C-FEA3-4D62-8152-B3B71E51F91F}"/>
+                <a16:creationId xmlns:a16="http://schemas.microsoft.com/office/drawing/2014/main" id="{09E03058-1EA8-4BF3-8DEB-46CF87B4AF02}"/>
               </a:ext>
             </a:extLst>
           </p:cNvPr>
@@ -5407,263 +5404,181 @@
         </p:nvSpPr>
         <p:spPr/>
         <p:txBody>
-          <a:bodyPr>
-            <a:normAutofit fontScale="62500" lnSpcReduction="20000"/>
-          </a:bodyPr>
-          <a:lstStyle/>
-          <a:p>
-            <a:pPr marL="0" indent="0">
-              <a:buNone/>
+          <a:bodyPr/>
+          <a:lstStyle/>
+          <a:p>
+            <a:pPr algn="l">
+              <a:buFont typeface="+mj-lt"/>
+              <a:buAutoNum type="arabicPeriod"/>
             </a:pPr>
             <a:r>
-              <a:rPr lang="zh-TW" altLang="en-US" dirty="0"/>
-              <a:t>本講義是擷取</a:t>
-            </a:r>
-            <a:r>
-              <a:rPr lang="en-US" altLang="zh-TW" dirty="0"/>
-              <a:t>/</a:t>
-            </a:r>
-            <a:r>
-              <a:rPr lang="zh-TW" altLang="en-US" dirty="0"/>
-              <a:t>修改下列講義部分內容，希望能透過更簡易的方式了解資料分析初步內容與過程，若因此對於資料分析有興趣，想嘗試更進階</a:t>
-            </a:r>
-            <a:r>
-              <a:rPr lang="en-US" altLang="zh-TW" dirty="0"/>
-              <a:t>/</a:t>
-            </a:r>
-            <a:r>
-              <a:rPr lang="zh-TW" altLang="en-US" dirty="0"/>
-              <a:t>深入的資料分析， 建議深入查看以下講義中更完整的內容。</a:t>
-            </a:r>
-          </a:p>
-          <a:p>
-            <a:r>
-              <a:rPr lang="en-US" altLang="zh-TW" dirty="0">
-                <a:hlinkClick r:id="rId3"/>
-              </a:rPr>
-              <a:t>R for Data Science</a:t>
-            </a:r>
-            <a:endParaRPr lang="en-US" altLang="zh-TW" dirty="0"/>
-          </a:p>
-          <a:p>
-            <a:r>
-              <a:rPr lang="en-US" altLang="zh-TW" dirty="0">
-                <a:hlinkClick r:id="rId4"/>
-              </a:rPr>
-              <a:t>R for Data Science (2e)</a:t>
-            </a:r>
-            <a:endParaRPr lang="en-US" altLang="zh-TW" dirty="0"/>
-          </a:p>
-          <a:p>
-            <a:r>
-              <a:rPr lang="zh-TW" altLang="en-US" dirty="0"/>
-              <a:t>量化研究方法實作</a:t>
-            </a:r>
-            <a:r>
-              <a:rPr lang="en-US" altLang="zh-TW" dirty="0"/>
-              <a:t>(</a:t>
-            </a:r>
-            <a:r>
-              <a:rPr lang="zh-TW" altLang="en-US" dirty="0"/>
-              <a:t>課堂教材</a:t>
-            </a:r>
-            <a:r>
-              <a:rPr lang="en-US" altLang="zh-TW" dirty="0"/>
-              <a:t>)</a:t>
-            </a:r>
-            <a:r>
-              <a:rPr lang="zh-TW" altLang="en-US" dirty="0"/>
-              <a:t>，</a:t>
-            </a:r>
-            <a:r>
-              <a:rPr lang="en-US" altLang="zh-TW" dirty="0"/>
-              <a:t>by </a:t>
-            </a:r>
-            <a:r>
-              <a:rPr lang="zh-TW" altLang="en-US" dirty="0">
-                <a:hlinkClick r:id="rId5"/>
-              </a:rPr>
-              <a:t>陳易甫</a:t>
-            </a:r>
+              <a:rPr lang="zh-TW" altLang="en-US" b="0" i="0" dirty="0">
+                <a:solidFill>
+                  <a:srgbClr val="333333"/>
+                </a:solidFill>
+                <a:effectLst/>
+                <a:latin typeface="Helvetica Neue"/>
+              </a:rPr>
+              <a:t>初步認識</a:t>
+            </a:r>
+            <a:r>
+              <a:rPr lang="en-US" altLang="zh-TW" b="0" i="0" dirty="0">
+                <a:solidFill>
+                  <a:srgbClr val="333333"/>
+                </a:solidFill>
+                <a:effectLst/>
+                <a:latin typeface="Helvetica Neue"/>
+              </a:rPr>
+              <a:t>R</a:t>
+            </a:r>
+            <a:r>
+              <a:rPr lang="zh-TW" altLang="en-US" b="0" i="0" dirty="0">
+                <a:solidFill>
+                  <a:srgbClr val="333333"/>
+                </a:solidFill>
+                <a:effectLst/>
+                <a:latin typeface="Helvetica Neue"/>
+              </a:rPr>
+              <a:t>語言與</a:t>
+            </a:r>
+            <a:r>
+              <a:rPr lang="en-US" altLang="zh-TW" b="0" i="0" dirty="0">
+                <a:solidFill>
+                  <a:srgbClr val="333333"/>
+                </a:solidFill>
+                <a:effectLst/>
+                <a:latin typeface="Helvetica Neue"/>
+              </a:rPr>
+              <a:t>R</a:t>
+            </a:r>
+            <a:r>
+              <a:rPr lang="zh-TW" altLang="en-US" b="0" i="0" dirty="0">
+                <a:solidFill>
+                  <a:srgbClr val="333333"/>
+                </a:solidFill>
+                <a:effectLst/>
+                <a:latin typeface="Helvetica Neue"/>
+              </a:rPr>
+              <a:t>語言基礎概念</a:t>
+            </a:r>
+          </a:p>
+          <a:p>
+            <a:pPr algn="l">
+              <a:buFont typeface="+mj-lt"/>
+              <a:buAutoNum type="arabicPeriod"/>
+            </a:pPr>
+            <a:r>
+              <a:rPr lang="zh-TW" altLang="en-US" b="0" i="0" dirty="0">
+                <a:solidFill>
+                  <a:srgbClr val="333333"/>
+                </a:solidFill>
+                <a:effectLst/>
+                <a:latin typeface="Helvetica Neue"/>
+              </a:rPr>
+              <a:t>運用</a:t>
+            </a:r>
+            <a:r>
+              <a:rPr lang="en-US" altLang="zh-TW" b="0" i="0" dirty="0">
+                <a:solidFill>
+                  <a:srgbClr val="333333"/>
+                </a:solidFill>
+                <a:effectLst/>
+                <a:latin typeface="Helvetica Neue"/>
+              </a:rPr>
+              <a:t>R</a:t>
+            </a:r>
+            <a:r>
+              <a:rPr lang="zh-TW" altLang="en-US" b="0" i="0" dirty="0">
+                <a:solidFill>
+                  <a:srgbClr val="333333"/>
+                </a:solidFill>
+                <a:effectLst/>
+                <a:latin typeface="Helvetica Neue"/>
+              </a:rPr>
+              <a:t>語言讀取、整理資料</a:t>
+            </a:r>
+          </a:p>
+          <a:p>
+            <a:pPr algn="l">
+              <a:buFont typeface="+mj-lt"/>
+              <a:buAutoNum type="arabicPeriod"/>
+            </a:pPr>
+            <a:r>
+              <a:rPr lang="zh-TW" altLang="en-US" b="0" i="0" dirty="0">
+                <a:solidFill>
+                  <a:srgbClr val="333333"/>
+                </a:solidFill>
+                <a:effectLst/>
+                <a:latin typeface="Helvetica Neue"/>
+              </a:rPr>
+              <a:t>運用</a:t>
+            </a:r>
+            <a:r>
+              <a:rPr lang="en-US" altLang="zh-TW" b="0" i="0" dirty="0">
+                <a:solidFill>
+                  <a:srgbClr val="333333"/>
+                </a:solidFill>
+                <a:effectLst/>
+                <a:latin typeface="Helvetica Neue"/>
+              </a:rPr>
+              <a:t>R</a:t>
+            </a:r>
+            <a:r>
+              <a:rPr lang="zh-TW" altLang="en-US" b="0" i="0" dirty="0">
+                <a:solidFill>
+                  <a:srgbClr val="333333"/>
+                </a:solidFill>
+                <a:effectLst/>
+                <a:latin typeface="Helvetica Neue"/>
+              </a:rPr>
+              <a:t>語言進行簡單資料清理</a:t>
+            </a:r>
+          </a:p>
+          <a:p>
+            <a:pPr algn="l">
+              <a:buFont typeface="+mj-lt"/>
+              <a:buAutoNum type="arabicPeriod"/>
+            </a:pPr>
+            <a:r>
+              <a:rPr lang="zh-TW" altLang="en-US" b="0" i="0" dirty="0">
+                <a:solidFill>
+                  <a:srgbClr val="333333"/>
+                </a:solidFill>
+                <a:effectLst/>
+                <a:latin typeface="Helvetica Neue"/>
+              </a:rPr>
+              <a:t>運用</a:t>
+            </a:r>
+            <a:r>
+              <a:rPr lang="en-US" altLang="zh-TW" b="0" i="0" dirty="0">
+                <a:solidFill>
+                  <a:srgbClr val="333333"/>
+                </a:solidFill>
+                <a:effectLst/>
+                <a:latin typeface="Helvetica Neue"/>
+              </a:rPr>
+              <a:t>R</a:t>
+            </a:r>
+            <a:r>
+              <a:rPr lang="zh-TW" altLang="en-US" b="0" i="0" dirty="0">
+                <a:solidFill>
+                  <a:srgbClr val="333333"/>
+                </a:solidFill>
+                <a:effectLst/>
+                <a:latin typeface="Helvetica Neue"/>
+              </a:rPr>
+              <a:t>語言進行簡單探索性分析與資料視覺化</a:t>
+            </a:r>
+          </a:p>
+          <a:p>
             <a:endParaRPr lang="zh-TW" altLang="en-US" dirty="0"/>
           </a:p>
-          <a:p>
-            <a:r>
-              <a:rPr lang="zh-TW" altLang="en-US" dirty="0">
-                <a:hlinkClick r:id="rId6"/>
-              </a:rPr>
-              <a:t>資料科學與</a:t>
-            </a:r>
-            <a:r>
-              <a:rPr lang="en-US" altLang="zh-TW" dirty="0">
-                <a:hlinkClick r:id="rId6"/>
-              </a:rPr>
-              <a:t>R</a:t>
-            </a:r>
-            <a:r>
-              <a:rPr lang="zh-TW" altLang="en-US" dirty="0">
-                <a:hlinkClick r:id="rId6"/>
-              </a:rPr>
-              <a:t>語言</a:t>
-            </a:r>
-            <a:r>
-              <a:rPr lang="zh-TW" altLang="en-US" dirty="0"/>
-              <a:t>，</a:t>
-            </a:r>
-            <a:r>
-              <a:rPr lang="en-US" altLang="zh-TW" dirty="0"/>
-              <a:t>by </a:t>
-            </a:r>
-            <a:r>
-              <a:rPr lang="zh-TW" altLang="en-US" dirty="0">
-                <a:hlinkClick r:id="rId7"/>
-              </a:rPr>
-              <a:t>曾意儒</a:t>
-            </a:r>
-            <a:endParaRPr lang="zh-TW" altLang="en-US" dirty="0"/>
-          </a:p>
-          <a:p>
-            <a:r>
-              <a:rPr lang="en-US" altLang="zh-TW" dirty="0">
-                <a:hlinkClick r:id="rId8"/>
-              </a:rPr>
-              <a:t>Programming for Data Science (I)</a:t>
-            </a:r>
-            <a:r>
-              <a:rPr lang="zh-TW" altLang="en-US" dirty="0"/>
-              <a:t>，</a:t>
-            </a:r>
-            <a:r>
-              <a:rPr lang="en-US" altLang="zh-TW" dirty="0"/>
-              <a:t>by </a:t>
-            </a:r>
-            <a:r>
-              <a:rPr lang="zh-TW" altLang="en-US" dirty="0">
-                <a:hlinkClick r:id="rId9"/>
-              </a:rPr>
-              <a:t>林茂廷</a:t>
-            </a:r>
-            <a:endParaRPr lang="zh-TW" altLang="en-US" dirty="0"/>
-          </a:p>
-          <a:p>
-            <a:r>
-              <a:rPr lang="zh-TW" altLang="en-US" dirty="0">
-                <a:hlinkClick r:id="rId10"/>
-              </a:rPr>
-              <a:t>輕鬆學習 </a:t>
-            </a:r>
-            <a:r>
-              <a:rPr lang="en-US" altLang="zh-TW" dirty="0">
-                <a:hlinkClick r:id="rId10"/>
-              </a:rPr>
-              <a:t>R </a:t>
-            </a:r>
-            <a:r>
-              <a:rPr lang="zh-TW" altLang="en-US" dirty="0">
-                <a:hlinkClick r:id="rId10"/>
-              </a:rPr>
-              <a:t>語言</a:t>
-            </a:r>
-            <a:r>
-              <a:rPr lang="zh-TW" altLang="en-US" dirty="0"/>
-              <a:t>，</a:t>
-            </a:r>
-            <a:r>
-              <a:rPr lang="en-US" altLang="zh-TW" dirty="0"/>
-              <a:t>by </a:t>
-            </a:r>
-            <a:r>
-              <a:rPr lang="zh-TW" altLang="en-US" dirty="0">
-                <a:hlinkClick r:id="rId11"/>
-              </a:rPr>
-              <a:t>郭耀仁</a:t>
-            </a:r>
-            <a:endParaRPr lang="zh-TW" altLang="en-US" dirty="0"/>
-          </a:p>
-          <a:p>
-            <a:r>
-              <a:rPr lang="en-US" altLang="zh-TW" dirty="0">
-                <a:hlinkClick r:id="rId12"/>
-              </a:rPr>
-              <a:t>R</a:t>
-            </a:r>
-            <a:r>
-              <a:rPr lang="zh-TW" altLang="en-US" dirty="0">
-                <a:hlinkClick r:id="rId12"/>
-              </a:rPr>
-              <a:t>语言教程</a:t>
-            </a:r>
-            <a:endParaRPr lang="zh-TW" altLang="en-US" dirty="0"/>
-          </a:p>
-          <a:p>
-            <a:r>
-              <a:rPr lang="en-US" altLang="zh-TW" dirty="0">
-                <a:hlinkClick r:id="rId13"/>
-              </a:rPr>
-              <a:t>R for Fledglings</a:t>
-            </a:r>
-            <a:endParaRPr lang="en-US" altLang="zh-TW" dirty="0"/>
-          </a:p>
-          <a:p>
-            <a:r>
-              <a:rPr lang="en-US" altLang="zh-TW" dirty="0">
-                <a:hlinkClick r:id="rId14"/>
-              </a:rPr>
-              <a:t>R for </a:t>
-            </a:r>
-            <a:r>
-              <a:rPr lang="en-US" altLang="zh-TW" dirty="0" err="1">
-                <a:hlinkClick r:id="rId14"/>
-              </a:rPr>
-              <a:t>HR:An</a:t>
-            </a:r>
-            <a:r>
-              <a:rPr lang="en-US" altLang="zh-TW" dirty="0">
-                <a:hlinkClick r:id="rId14"/>
-              </a:rPr>
-              <a:t> Introduction to Human Resource Analytics Using R</a:t>
-            </a:r>
-            <a:endParaRPr lang="en-US" altLang="zh-TW" dirty="0"/>
-          </a:p>
-          <a:p>
-            <a:r>
-              <a:rPr lang="en-US" altLang="zh-TW" dirty="0">
-                <a:hlinkClick r:id="rId15"/>
-              </a:rPr>
-              <a:t>R for Epidemiology</a:t>
-            </a:r>
-            <a:endParaRPr lang="en-US" altLang="zh-TW" dirty="0"/>
-          </a:p>
-          <a:p>
-            <a:r>
-              <a:rPr lang="en-US" altLang="zh-TW" dirty="0">
-                <a:hlinkClick r:id="rId16"/>
-              </a:rPr>
-              <a:t>R Package Showcase</a:t>
-            </a:r>
-            <a:endParaRPr lang="en-US" altLang="zh-TW" dirty="0"/>
-          </a:p>
-          <a:p>
-            <a:r>
-              <a:rPr lang="en-US" altLang="zh-TW" dirty="0" err="1">
-                <a:hlinkClick r:id="rId17"/>
-              </a:rPr>
-              <a:t>tidyverse</a:t>
-            </a:r>
-            <a:endParaRPr lang="en-US" altLang="zh-TW" dirty="0"/>
-          </a:p>
-          <a:p>
-            <a:endParaRPr lang="zh-TW" altLang="en-US" dirty="0"/>
-          </a:p>
         </p:txBody>
       </p:sp>
     </p:spTree>
-    <p:custDataLst>
-      <p:tags r:id="rId1"/>
-    </p:custDataLst>
     <p:extLst>
       <p:ext uri="{BB962C8B-B14F-4D97-AF65-F5344CB8AC3E}">
-        <p14:creationId xmlns:p14="http://schemas.microsoft.com/office/powerpoint/2010/main" val="2505428568"/>
+        <p14:creationId xmlns:p14="http://schemas.microsoft.com/office/powerpoint/2010/main" val="24488109"/>
       </p:ext>
     </p:extLst>
   </p:cSld>
@@ -5692,10 +5607,47 @@
       </p:grpSpPr>
       <p:sp>
         <p:nvSpPr>
+          <p:cNvPr id="2" name="標題 1">
+            <a:extLst>
+              <a:ext uri="{FF2B5EF4-FFF2-40B4-BE49-F238E27FC236}">
+                <a16:creationId xmlns:a16="http://schemas.microsoft.com/office/drawing/2014/main" id="{E1B452CF-5350-41A2-9F93-8F70A80FE906}"/>
+              </a:ext>
+            </a:extLst>
+          </p:cNvPr>
+          <p:cNvSpPr>
+            <a:spLocks noGrp="1"/>
+          </p:cNvSpPr>
+          <p:nvPr>
+            <p:ph type="title"/>
+          </p:nvPr>
+        </p:nvSpPr>
+        <p:spPr/>
+        <p:txBody>
+          <a:bodyPr/>
+          <a:lstStyle/>
+          <a:p>
+            <a:r>
+              <a:rPr lang="zh-TW" altLang="en-US" b="1" dirty="0"/>
+              <a:t>參考資料</a:t>
+            </a:r>
+            <a:r>
+              <a:rPr lang="en-US" altLang="zh-TW" b="1" dirty="0"/>
+              <a:t>-</a:t>
+            </a:r>
+            <a:r>
+              <a:rPr lang="zh-TW" altLang="en-US" b="1" dirty="0"/>
+              <a:t>講義</a:t>
+            </a:r>
+            <a:endParaRPr lang="zh-TW" altLang="en-US" dirty="0"/>
+          </a:p>
+        </p:txBody>
+      </p:sp>
+      <p:sp>
+        <p:nvSpPr>
           <p:cNvPr id="3" name="內容版面配置區 2">
             <a:extLst>
               <a:ext uri="{FF2B5EF4-FFF2-40B4-BE49-F238E27FC236}">
-                <a16:creationId xmlns:a16="http://schemas.microsoft.com/office/drawing/2014/main" id="{50B16F87-3638-4DC9-9F86-A0F9A3AB6E23}"/>
+                <a16:creationId xmlns:a16="http://schemas.microsoft.com/office/drawing/2014/main" id="{9D99FD3C-FEA3-4D62-8152-B3B71E51F91F}"/>
               </a:ext>
             </a:extLst>
           </p:cNvPr>
@@ -5704,129 +5656,375 @@
           </p:cNvSpPr>
           <p:nvPr>
             <p:ph idx="1"/>
-          </p:nvPr>
-        </p:nvSpPr>
-        <p:spPr/>
-        <p:txBody>
-          <a:bodyPr/>
-          <a:lstStyle/>
-          <a:p>
-            <a:r>
-              <a:rPr lang="zh-TW" altLang="en-US" dirty="0">
-                <a:hlinkClick r:id="rId3"/>
-              </a:rPr>
-              <a:t>其他進階</a:t>
-            </a:r>
-            <a:r>
-              <a:rPr lang="en-US" altLang="zh-TW" dirty="0">
-                <a:hlinkClick r:id="rId3"/>
-              </a:rPr>
-              <a:t>R books</a:t>
-            </a:r>
-            <a:endParaRPr lang="en-US" altLang="zh-TW" dirty="0"/>
-          </a:p>
-          <a:p>
-            <a:r>
-              <a:rPr lang="zh-TW" altLang="en-US" dirty="0">
-                <a:hlinkClick r:id="rId4"/>
-              </a:rPr>
-              <a:t>各種</a:t>
-            </a:r>
-            <a:r>
-              <a:rPr lang="en-US" altLang="zh-TW" dirty="0" err="1">
-                <a:hlinkClick r:id="rId4"/>
-              </a:rPr>
-              <a:t>Cheatsheets</a:t>
-            </a:r>
-            <a:endParaRPr lang="en-US" altLang="zh-TW" dirty="0"/>
-          </a:p>
-          <a:p>
-            <a:r>
-              <a:rPr lang="en-US" altLang="zh-TW" dirty="0">
-                <a:hlinkClick r:id="rId5"/>
-              </a:rPr>
-              <a:t>base R cheat-sheet</a:t>
-            </a:r>
-            <a:endParaRPr lang="en-US" altLang="zh-TW" dirty="0"/>
-          </a:p>
-          <a:p>
-            <a:r>
-              <a:rPr lang="en-US" altLang="zh-TW" dirty="0" err="1">
-                <a:hlinkClick r:id="rId6"/>
-              </a:rPr>
-              <a:t>RPubs</a:t>
-            </a:r>
-            <a:endParaRPr lang="en-US" altLang="zh-TW" dirty="0"/>
-          </a:p>
-          <a:p>
-            <a:r>
-              <a:rPr lang="en-US" altLang="zh-TW" dirty="0">
-                <a:hlinkClick r:id="rId7"/>
-              </a:rPr>
-              <a:t>Posit</a:t>
-            </a:r>
-            <a:endParaRPr lang="en-US" altLang="zh-TW" dirty="0"/>
-          </a:p>
-          <a:p>
-            <a:r>
-              <a:rPr lang="zh-TW" altLang="en-US" dirty="0"/>
-              <a:t>網路上的各種筆記或論壇</a:t>
-            </a:r>
-          </a:p>
-          <a:p>
-            <a:r>
-              <a:rPr lang="en-US" altLang="zh-TW" dirty="0" err="1"/>
-              <a:t>chatgpt</a:t>
-            </a:r>
-            <a:r>
-              <a:rPr lang="en-US" altLang="zh-TW" dirty="0"/>
-              <a:t>?</a:t>
-            </a:r>
-          </a:p>
-          <a:p>
-            <a:endParaRPr lang="zh-TW" altLang="en-US" dirty="0"/>
-          </a:p>
-        </p:txBody>
-      </p:sp>
-      <p:sp>
-        <p:nvSpPr>
-          <p:cNvPr id="4" name="標題 1">
-            <a:extLst>
-              <a:ext uri="{FF2B5EF4-FFF2-40B4-BE49-F238E27FC236}">
-                <a16:creationId xmlns:a16="http://schemas.microsoft.com/office/drawing/2014/main" id="{5472C189-708C-4365-B2CF-7C3BBE6697C6}"/>
-              </a:ext>
-            </a:extLst>
-          </p:cNvPr>
-          <p:cNvSpPr>
-            <a:spLocks noGrp="1"/>
-          </p:cNvSpPr>
-          <p:nvPr>
-            <p:ph type="title"/>
           </p:nvPr>
         </p:nvSpPr>
         <p:spPr>
           <a:xfrm>
-            <a:off x="838200" y="365125"/>
-            <a:ext cx="10515600" cy="1325563"/>
+            <a:off x="486507" y="1487156"/>
+            <a:ext cx="10968613" cy="1572677"/>
           </a:xfrm>
         </p:spPr>
         <p:txBody>
-          <a:bodyPr/>
-          <a:lstStyle/>
-          <a:p>
-            <a:r>
-              <a:rPr lang="zh-TW" altLang="en-US" b="1" dirty="0"/>
-              <a:t>參考資料</a:t>
-            </a:r>
-            <a:r>
-              <a:rPr lang="en-US" altLang="zh-TW" b="1" dirty="0"/>
-              <a:t>-</a:t>
-            </a:r>
-            <a:r>
-              <a:rPr lang="zh-TW" altLang="en-US" b="1" dirty="0"/>
-              <a:t>其他學習資源</a:t>
-            </a:r>
+          <a:bodyPr>
+            <a:normAutofit/>
+          </a:bodyPr>
+          <a:lstStyle/>
+          <a:p>
+            <a:pPr marL="0" indent="0">
+              <a:buNone/>
+            </a:pPr>
+            <a:r>
+              <a:rPr lang="zh-TW" altLang="en-US" dirty="0"/>
+              <a:t>本講義是擷取</a:t>
+            </a:r>
+            <a:r>
+              <a:rPr lang="en-US" altLang="zh-TW" dirty="0"/>
+              <a:t>/</a:t>
+            </a:r>
+            <a:r>
+              <a:rPr lang="zh-TW" altLang="en-US" dirty="0"/>
+              <a:t>修改下列講義部分內容，希望能透過更簡易的方式了解資料分析初步內容與過程，若因此對於資料分析有興趣，想嘗試更進階</a:t>
+            </a:r>
+            <a:r>
+              <a:rPr lang="en-US" altLang="zh-TW" dirty="0"/>
+              <a:t>/</a:t>
+            </a:r>
+            <a:r>
+              <a:rPr lang="zh-TW" altLang="en-US" dirty="0"/>
+              <a:t>深入的資料分析， 建議深入查看以下講義中更完整的內容。</a:t>
+            </a:r>
+          </a:p>
+          <a:p>
             <a:endParaRPr lang="zh-TW" altLang="en-US" dirty="0"/>
+          </a:p>
+        </p:txBody>
+      </p:sp>
+      <p:sp>
+        <p:nvSpPr>
+          <p:cNvPr id="5" name="文字方塊 4">
+            <a:extLst>
+              <a:ext uri="{FF2B5EF4-FFF2-40B4-BE49-F238E27FC236}">
+                <a16:creationId xmlns:a16="http://schemas.microsoft.com/office/drawing/2014/main" id="{054BB3B1-68DB-48F5-AFD3-9655345B2B47}"/>
+              </a:ext>
+            </a:extLst>
+          </p:cNvPr>
+          <p:cNvSpPr txBox="1"/>
+          <p:nvPr/>
+        </p:nvSpPr>
+        <p:spPr>
+          <a:xfrm>
+            <a:off x="5970813" y="3431852"/>
+            <a:ext cx="5682342" cy="2246769"/>
+          </a:xfrm>
+          <a:prstGeom prst="rect">
+            <a:avLst/>
+          </a:prstGeom>
+          <a:noFill/>
+        </p:spPr>
+        <p:txBody>
+          <a:bodyPr wrap="square">
+            <a:spAutoFit/>
+          </a:bodyPr>
+          <a:lstStyle/>
+          <a:p>
+            <a:r>
+              <a:rPr lang="en-US" altLang="zh-TW" sz="2000" dirty="0">
+                <a:hlinkClick r:id="rId3"/>
+              </a:rPr>
+              <a:t>R</a:t>
+            </a:r>
+            <a:r>
+              <a:rPr lang="zh-TW" altLang="en-US" sz="2000" dirty="0">
+                <a:hlinkClick r:id="rId3"/>
+              </a:rPr>
+              <a:t>语言教程</a:t>
+            </a:r>
+            <a:endParaRPr lang="zh-TW" altLang="en-US" sz="2000" dirty="0"/>
+          </a:p>
+          <a:p>
+            <a:r>
+              <a:rPr lang="en-US" altLang="zh-TW" sz="2000" dirty="0">
+                <a:hlinkClick r:id="rId4"/>
+              </a:rPr>
+              <a:t>R for Fledglings</a:t>
+            </a:r>
+            <a:endParaRPr lang="en-US" altLang="zh-TW" sz="2000" dirty="0"/>
+          </a:p>
+          <a:p>
+            <a:r>
+              <a:rPr lang="en-US" altLang="zh-TW" sz="2000" dirty="0">
+                <a:hlinkClick r:id="rId5"/>
+              </a:rPr>
+              <a:t>R for </a:t>
+            </a:r>
+            <a:r>
+              <a:rPr lang="en-US" altLang="zh-TW" sz="2000" dirty="0" err="1">
+                <a:hlinkClick r:id="rId5"/>
+              </a:rPr>
+              <a:t>HR:An</a:t>
+            </a:r>
+            <a:r>
+              <a:rPr lang="en-US" altLang="zh-TW" sz="2000" dirty="0">
+                <a:hlinkClick r:id="rId5"/>
+              </a:rPr>
+              <a:t> Introduction to Human Resource Analytics Using R</a:t>
+            </a:r>
+            <a:endParaRPr lang="en-US" altLang="zh-TW" sz="2000" dirty="0"/>
+          </a:p>
+          <a:p>
+            <a:r>
+              <a:rPr lang="en-US" altLang="zh-TW" sz="2000" dirty="0">
+                <a:hlinkClick r:id="rId6"/>
+              </a:rPr>
+              <a:t>R for Epidemiology</a:t>
+            </a:r>
+            <a:endParaRPr lang="en-US" altLang="zh-TW" sz="2000" dirty="0"/>
+          </a:p>
+          <a:p>
+            <a:r>
+              <a:rPr lang="en-US" altLang="zh-TW" sz="2000" dirty="0">
+                <a:hlinkClick r:id="rId7"/>
+              </a:rPr>
+              <a:t>R Package Showcase</a:t>
+            </a:r>
+            <a:endParaRPr lang="en-US" altLang="zh-TW" sz="2000" dirty="0"/>
+          </a:p>
+          <a:p>
+            <a:r>
+              <a:rPr lang="en-US" altLang="zh-TW" sz="2000" dirty="0" err="1">
+                <a:hlinkClick r:id="rId8"/>
+              </a:rPr>
+              <a:t>tidyverse</a:t>
+            </a:r>
+            <a:endParaRPr lang="en-US" altLang="zh-TW" sz="2000" dirty="0"/>
+          </a:p>
+        </p:txBody>
+      </p:sp>
+      <p:sp>
+        <p:nvSpPr>
+          <p:cNvPr id="7" name="文字方塊 6">
+            <a:extLst>
+              <a:ext uri="{FF2B5EF4-FFF2-40B4-BE49-F238E27FC236}">
+                <a16:creationId xmlns:a16="http://schemas.microsoft.com/office/drawing/2014/main" id="{0C426701-A6CD-4509-8E97-FDBEFD180348}"/>
+              </a:ext>
+            </a:extLst>
+          </p:cNvPr>
+          <p:cNvSpPr txBox="1"/>
+          <p:nvPr/>
+        </p:nvSpPr>
+        <p:spPr>
+          <a:xfrm>
+            <a:off x="538845" y="3403009"/>
+            <a:ext cx="5080280" cy="2246769"/>
+          </a:xfrm>
+          <a:prstGeom prst="rect">
+            <a:avLst/>
+          </a:prstGeom>
+          <a:noFill/>
+        </p:spPr>
+        <p:txBody>
+          <a:bodyPr wrap="square">
+            <a:spAutoFit/>
+          </a:bodyPr>
+          <a:lstStyle/>
+          <a:p>
+            <a:r>
+              <a:rPr lang="en-US" altLang="zh-TW" sz="2000" dirty="0">
+                <a:hlinkClick r:id="rId9"/>
+              </a:rPr>
+              <a:t>R for Data Science</a:t>
+            </a:r>
+            <a:endParaRPr lang="en-US" altLang="zh-TW" sz="2000" dirty="0"/>
+          </a:p>
+          <a:p>
+            <a:r>
+              <a:rPr lang="en-US" altLang="zh-TW" sz="2000" dirty="0">
+                <a:hlinkClick r:id="rId10"/>
+              </a:rPr>
+              <a:t>R for Data Science (2e)</a:t>
+            </a:r>
+            <a:endParaRPr lang="en-US" altLang="zh-TW" sz="2000" dirty="0"/>
+          </a:p>
+          <a:p>
+            <a:r>
+              <a:rPr lang="zh-TW" altLang="en-US" sz="2000" dirty="0"/>
+              <a:t>量化研究方法實作</a:t>
+            </a:r>
+            <a:r>
+              <a:rPr lang="en-US" altLang="zh-TW" sz="2000" dirty="0"/>
+              <a:t>(</a:t>
+            </a:r>
+            <a:r>
+              <a:rPr lang="zh-TW" altLang="en-US" sz="2000" dirty="0"/>
+              <a:t>課堂教材</a:t>
+            </a:r>
+            <a:r>
+              <a:rPr lang="en-US" altLang="zh-TW" sz="2000" dirty="0"/>
+              <a:t>)</a:t>
+            </a:r>
+            <a:r>
+              <a:rPr lang="zh-TW" altLang="en-US" sz="2000" dirty="0"/>
+              <a:t>，</a:t>
+            </a:r>
+            <a:r>
+              <a:rPr lang="en-US" altLang="zh-TW" sz="2000" dirty="0"/>
+              <a:t>by </a:t>
+            </a:r>
+            <a:r>
+              <a:rPr lang="zh-TW" altLang="en-US" sz="2000" dirty="0">
+                <a:hlinkClick r:id="rId11"/>
+              </a:rPr>
+              <a:t>陳易甫</a:t>
+            </a:r>
+            <a:endParaRPr lang="zh-TW" altLang="en-US" sz="2000" dirty="0"/>
+          </a:p>
+          <a:p>
+            <a:r>
+              <a:rPr lang="zh-TW" altLang="en-US" sz="2000" dirty="0">
+                <a:hlinkClick r:id="rId12"/>
+              </a:rPr>
+              <a:t>資料科學與</a:t>
+            </a:r>
+            <a:r>
+              <a:rPr lang="en-US" altLang="zh-TW" sz="2000" dirty="0">
+                <a:hlinkClick r:id="rId12"/>
+              </a:rPr>
+              <a:t>R</a:t>
+            </a:r>
+            <a:r>
+              <a:rPr lang="zh-TW" altLang="en-US" sz="2000" dirty="0">
+                <a:hlinkClick r:id="rId12"/>
+              </a:rPr>
+              <a:t>語言</a:t>
+            </a:r>
+            <a:r>
+              <a:rPr lang="zh-TW" altLang="en-US" sz="2000" dirty="0"/>
+              <a:t>，</a:t>
+            </a:r>
+            <a:r>
+              <a:rPr lang="en-US" altLang="zh-TW" sz="2000" dirty="0"/>
+              <a:t>by </a:t>
+            </a:r>
+            <a:r>
+              <a:rPr lang="zh-TW" altLang="en-US" sz="2000" dirty="0">
+                <a:hlinkClick r:id="rId13"/>
+              </a:rPr>
+              <a:t>曾意儒</a:t>
+            </a:r>
+            <a:endParaRPr lang="zh-TW" altLang="en-US" sz="2000" dirty="0"/>
+          </a:p>
+          <a:p>
+            <a:r>
+              <a:rPr lang="en-US" altLang="zh-TW" sz="2000" dirty="0">
+                <a:hlinkClick r:id="rId14"/>
+              </a:rPr>
+              <a:t>Programming for Data Science (I)</a:t>
+            </a:r>
+            <a:r>
+              <a:rPr lang="zh-TW" altLang="en-US" sz="2000" dirty="0"/>
+              <a:t>，</a:t>
+            </a:r>
+            <a:r>
+              <a:rPr lang="en-US" altLang="zh-TW" sz="2000" dirty="0"/>
+              <a:t>by </a:t>
+            </a:r>
+            <a:r>
+              <a:rPr lang="zh-TW" altLang="en-US" sz="2000" dirty="0">
+                <a:hlinkClick r:id="rId15"/>
+              </a:rPr>
+              <a:t>林茂廷</a:t>
+            </a:r>
+            <a:endParaRPr lang="zh-TW" altLang="en-US" sz="2000" dirty="0"/>
+          </a:p>
+          <a:p>
+            <a:r>
+              <a:rPr lang="zh-TW" altLang="en-US" sz="2000" dirty="0">
+                <a:hlinkClick r:id="rId16"/>
+              </a:rPr>
+              <a:t>輕鬆學習 </a:t>
+            </a:r>
+            <a:r>
+              <a:rPr lang="en-US" altLang="zh-TW" sz="2000" dirty="0">
+                <a:hlinkClick r:id="rId16"/>
+              </a:rPr>
+              <a:t>R </a:t>
+            </a:r>
+            <a:r>
+              <a:rPr lang="zh-TW" altLang="en-US" sz="2000" dirty="0">
+                <a:hlinkClick r:id="rId16"/>
+              </a:rPr>
+              <a:t>語言</a:t>
+            </a:r>
+            <a:r>
+              <a:rPr lang="zh-TW" altLang="en-US" sz="2000" dirty="0"/>
+              <a:t>，</a:t>
+            </a:r>
+            <a:r>
+              <a:rPr lang="en-US" altLang="zh-TW" sz="2000" dirty="0"/>
+              <a:t>by </a:t>
+            </a:r>
+            <a:r>
+              <a:rPr lang="zh-TW" altLang="en-US" sz="2000" dirty="0">
+                <a:hlinkClick r:id="rId17"/>
+              </a:rPr>
+              <a:t>郭耀仁</a:t>
+            </a:r>
+            <a:endParaRPr lang="en-US" altLang="zh-TW" sz="2000" dirty="0"/>
+          </a:p>
+          <a:p>
+            <a:r>
+              <a:rPr lang="en-US" altLang="zh-TW" sz="2000" b="0" i="0" u="sng" dirty="0">
+                <a:solidFill>
+                  <a:srgbClr val="4183C4"/>
+                </a:solidFill>
+                <a:effectLst/>
+                <a:latin typeface="Helvetica Neue"/>
+                <a:hlinkClick r:id="rId18"/>
+              </a:rPr>
+              <a:t>R </a:t>
+            </a:r>
+            <a:r>
+              <a:rPr lang="zh-TW" altLang="en-US" sz="2000" b="0" i="0" u="sng" dirty="0">
+                <a:solidFill>
+                  <a:srgbClr val="4183C4"/>
+                </a:solidFill>
+                <a:effectLst/>
+                <a:latin typeface="Helvetica Neue"/>
+                <a:hlinkClick r:id="rId18"/>
+              </a:rPr>
+              <a:t>資料科學與統計</a:t>
+            </a:r>
+            <a:r>
+              <a:rPr lang="zh-TW" altLang="en-US" sz="2000" b="0" i="0" dirty="0">
+                <a:solidFill>
+                  <a:srgbClr val="333333"/>
+                </a:solidFill>
+                <a:effectLst/>
+                <a:latin typeface="Helvetica Neue"/>
+              </a:rPr>
+              <a:t>，</a:t>
+            </a:r>
+            <a:r>
+              <a:rPr lang="en-US" altLang="zh-TW" sz="2000" b="0" i="0" dirty="0">
+                <a:solidFill>
+                  <a:srgbClr val="333333"/>
+                </a:solidFill>
+                <a:effectLst/>
+                <a:latin typeface="Helvetica Neue"/>
+              </a:rPr>
+              <a:t>by </a:t>
+            </a:r>
+            <a:r>
+              <a:rPr lang="zh-TW" altLang="en-US" sz="2000" b="0" i="0" dirty="0">
+                <a:solidFill>
+                  <a:srgbClr val="333333"/>
+                </a:solidFill>
+                <a:effectLst/>
+                <a:latin typeface="Helvetica Neue"/>
+              </a:rPr>
+              <a:t>林建甫</a:t>
+            </a:r>
+            <a:endParaRPr lang="zh-TW" altLang="en-US" sz="2000" dirty="0"/>
           </a:p>
         </p:txBody>
       </p:sp>
@@ -5836,7 +6034,7 @@
     </p:custDataLst>
     <p:extLst>
       <p:ext uri="{BB962C8B-B14F-4D97-AF65-F5344CB8AC3E}">
-        <p14:creationId xmlns:p14="http://schemas.microsoft.com/office/powerpoint/2010/main" val="2480441377"/>
+        <p14:creationId xmlns:p14="http://schemas.microsoft.com/office/powerpoint/2010/main" val="2505428568"/>
       </p:ext>
     </p:extLst>
   </p:cSld>
@@ -5865,10 +6063,108 @@
       </p:grpSpPr>
       <p:sp>
         <p:nvSpPr>
-          <p:cNvPr id="2" name="標題 1">
-            <a:extLst>
-              <a:ext uri="{FF2B5EF4-FFF2-40B4-BE49-F238E27FC236}">
-                <a16:creationId xmlns:a16="http://schemas.microsoft.com/office/drawing/2014/main" id="{18CF179B-46ED-4B11-A859-BAF461DA71DA}"/>
+          <p:cNvPr id="3" name="內容版面配置區 2">
+            <a:extLst>
+              <a:ext uri="{FF2B5EF4-FFF2-40B4-BE49-F238E27FC236}">
+                <a16:creationId xmlns:a16="http://schemas.microsoft.com/office/drawing/2014/main" id="{50B16F87-3638-4DC9-9F86-A0F9A3AB6E23}"/>
+              </a:ext>
+            </a:extLst>
+          </p:cNvPr>
+          <p:cNvSpPr>
+            <a:spLocks noGrp="1"/>
+          </p:cNvSpPr>
+          <p:nvPr>
+            <p:ph idx="1"/>
+          </p:nvPr>
+        </p:nvSpPr>
+        <p:spPr/>
+        <p:txBody>
+          <a:bodyPr/>
+          <a:lstStyle/>
+          <a:p>
+            <a:r>
+              <a:rPr lang="zh-TW" altLang="en-US" dirty="0">
+                <a:hlinkClick r:id="rId3"/>
+              </a:rPr>
+              <a:t>其他進階</a:t>
+            </a:r>
+            <a:r>
+              <a:rPr lang="en-US" altLang="zh-TW" dirty="0">
+                <a:hlinkClick r:id="rId3"/>
+              </a:rPr>
+              <a:t>R books</a:t>
+            </a:r>
+            <a:endParaRPr lang="en-US" altLang="zh-TW" dirty="0"/>
+          </a:p>
+          <a:p>
+            <a:r>
+              <a:rPr lang="zh-TW" altLang="en-US" dirty="0">
+                <a:hlinkClick r:id="rId4"/>
+              </a:rPr>
+              <a:t>各種</a:t>
+            </a:r>
+            <a:r>
+              <a:rPr lang="en-US" altLang="zh-TW" dirty="0" err="1">
+                <a:hlinkClick r:id="rId4"/>
+              </a:rPr>
+              <a:t>Cheatsheets</a:t>
+            </a:r>
+            <a:endParaRPr lang="en-US" altLang="zh-TW" dirty="0"/>
+          </a:p>
+          <a:p>
+            <a:r>
+              <a:rPr lang="en-US" altLang="zh-TW" dirty="0">
+                <a:hlinkClick r:id="rId5"/>
+              </a:rPr>
+              <a:t>base R cheat-sheet</a:t>
+            </a:r>
+            <a:endParaRPr lang="en-US" altLang="zh-TW" dirty="0"/>
+          </a:p>
+          <a:p>
+            <a:r>
+              <a:rPr lang="en-US" altLang="zh-TW" dirty="0" err="1">
+                <a:hlinkClick r:id="rId6"/>
+              </a:rPr>
+              <a:t>RPubs</a:t>
+            </a:r>
+            <a:endParaRPr lang="en-US" altLang="zh-TW" dirty="0"/>
+          </a:p>
+          <a:p>
+            <a:r>
+              <a:rPr lang="en-US" altLang="zh-TW" dirty="0">
+                <a:hlinkClick r:id="rId7"/>
+              </a:rPr>
+              <a:t>Posit</a:t>
+            </a:r>
+            <a:endParaRPr lang="en-US" altLang="zh-TW" dirty="0"/>
+          </a:p>
+          <a:p>
+            <a:r>
+              <a:rPr lang="zh-TW" altLang="en-US" dirty="0"/>
+              <a:t>網路上的各種筆記或論壇</a:t>
+            </a:r>
+          </a:p>
+          <a:p>
+            <a:r>
+              <a:rPr lang="en-US" altLang="zh-TW" dirty="0" err="1"/>
+              <a:t>chatgpt</a:t>
+            </a:r>
+            <a:r>
+              <a:rPr lang="en-US" altLang="zh-TW" dirty="0"/>
+              <a:t>?</a:t>
+            </a:r>
+          </a:p>
+          <a:p>
+            <a:endParaRPr lang="zh-TW" altLang="en-US" dirty="0"/>
+          </a:p>
+        </p:txBody>
+      </p:sp>
+      <p:sp>
+        <p:nvSpPr>
+          <p:cNvPr id="4" name="標題 1">
+            <a:extLst>
+              <a:ext uri="{FF2B5EF4-FFF2-40B4-BE49-F238E27FC236}">
+                <a16:creationId xmlns:a16="http://schemas.microsoft.com/office/drawing/2014/main" id="{5472C189-708C-4365-B2CF-7C3BBE6697C6}"/>
               </a:ext>
             </a:extLst>
           </p:cNvPr>
@@ -5879,60 +6175,29 @@
             <p:ph type="title"/>
           </p:nvPr>
         </p:nvSpPr>
-        <p:spPr/>
+        <p:spPr>
+          <a:xfrm>
+            <a:off x="838200" y="365125"/>
+            <a:ext cx="10515600" cy="1325563"/>
+          </a:xfrm>
+        </p:spPr>
         <p:txBody>
           <a:bodyPr/>
           <a:lstStyle/>
           <a:p>
             <a:r>
               <a:rPr lang="zh-TW" altLang="en-US" b="1" dirty="0"/>
-              <a:t>資料</a:t>
+              <a:t>參考資料</a:t>
+            </a:r>
+            <a:r>
+              <a:rPr lang="en-US" altLang="zh-TW" b="1" dirty="0"/>
+              <a:t>-</a:t>
+            </a:r>
+            <a:r>
+              <a:rPr lang="zh-TW" altLang="en-US" b="1" dirty="0"/>
+              <a:t>其他學習資源</a:t>
             </a:r>
             <a:endParaRPr lang="zh-TW" altLang="en-US" dirty="0"/>
-          </a:p>
-        </p:txBody>
-      </p:sp>
-      <p:sp>
-        <p:nvSpPr>
-          <p:cNvPr id="3" name="內容版面配置區 2">
-            <a:extLst>
-              <a:ext uri="{FF2B5EF4-FFF2-40B4-BE49-F238E27FC236}">
-                <a16:creationId xmlns:a16="http://schemas.microsoft.com/office/drawing/2014/main" id="{3FC70206-CA7A-4F44-8BB2-6BB677579D5C}"/>
-              </a:ext>
-            </a:extLst>
-          </p:cNvPr>
-          <p:cNvSpPr>
-            <a:spLocks noGrp="1"/>
-          </p:cNvSpPr>
-          <p:nvPr>
-            <p:ph idx="1"/>
-          </p:nvPr>
-        </p:nvSpPr>
-        <p:spPr/>
-        <p:txBody>
-          <a:bodyPr/>
-          <a:lstStyle/>
-          <a:p>
-            <a:r>
-              <a:rPr lang="zh-TW" altLang="en-US" b="1" dirty="0"/>
-              <a:t>開放資料</a:t>
-            </a:r>
-            <a:r>
-              <a:rPr lang="en-US" altLang="zh-TW" dirty="0"/>
-              <a:t>(</a:t>
-            </a:r>
-            <a:r>
-              <a:rPr lang="zh-TW" altLang="en-US" dirty="0"/>
-              <a:t>英語：</a:t>
-            </a:r>
-            <a:r>
-              <a:rPr lang="en-US" altLang="zh-TW" dirty="0"/>
-              <a:t>Open data)</a:t>
-            </a:r>
-            <a:r>
-              <a:rPr lang="zh-TW" altLang="en-US" dirty="0"/>
-              <a:t>指的是一種經過挑選與許可的資料。這種資料不受著作權、專利權，以及其他管理機制所限制，可以開放給社會公眾，任何人都可以自由出版使用，不論是要拿來出版或是做其他的運用都不加以限制。</a:t>
-            </a:r>
           </a:p>
         </p:txBody>
       </p:sp>
@@ -5942,7 +6207,7 @@
     </p:custDataLst>
     <p:extLst>
       <p:ext uri="{BB962C8B-B14F-4D97-AF65-F5344CB8AC3E}">
-        <p14:creationId xmlns:p14="http://schemas.microsoft.com/office/powerpoint/2010/main" val="338091518"/>
+        <p14:creationId xmlns:p14="http://schemas.microsoft.com/office/powerpoint/2010/main" val="2480441377"/>
       </p:ext>
     </p:extLst>
   </p:cSld>
@@ -5974,7 +6239,7 @@
           <p:cNvPr id="2" name="標題 1">
             <a:extLst>
               <a:ext uri="{FF2B5EF4-FFF2-40B4-BE49-F238E27FC236}">
-                <a16:creationId xmlns:a16="http://schemas.microsoft.com/office/drawing/2014/main" id="{E1B452CF-5350-41A2-9F93-8F70A80FE906}"/>
+                <a16:creationId xmlns:a16="http://schemas.microsoft.com/office/drawing/2014/main" id="{18CF179B-46ED-4B11-A859-BAF461DA71DA}"/>
               </a:ext>
             </a:extLst>
           </p:cNvPr>
@@ -5994,207 +6259,51 @@
               <a:rPr lang="zh-TW" altLang="en-US" b="1" dirty="0"/>
               <a:t>資料</a:t>
             </a:r>
-            <a:r>
-              <a:rPr lang="en-US" altLang="zh-TW" b="1" dirty="0"/>
-              <a:t>-</a:t>
-            </a:r>
+            <a:endParaRPr lang="zh-TW" altLang="en-US" dirty="0"/>
+          </a:p>
+        </p:txBody>
+      </p:sp>
+      <p:sp>
+        <p:nvSpPr>
+          <p:cNvPr id="3" name="內容版面配置區 2">
+            <a:extLst>
+              <a:ext uri="{FF2B5EF4-FFF2-40B4-BE49-F238E27FC236}">
+                <a16:creationId xmlns:a16="http://schemas.microsoft.com/office/drawing/2014/main" id="{3FC70206-CA7A-4F44-8BB2-6BB677579D5C}"/>
+              </a:ext>
+            </a:extLst>
+          </p:cNvPr>
+          <p:cNvSpPr>
+            <a:spLocks noGrp="1"/>
+          </p:cNvSpPr>
+          <p:nvPr>
+            <p:ph idx="1"/>
+          </p:nvPr>
+        </p:nvSpPr>
+        <p:spPr/>
+        <p:txBody>
+          <a:bodyPr/>
+          <a:lstStyle/>
+          <a:p>
             <a:r>
               <a:rPr lang="zh-TW" altLang="en-US" b="1" dirty="0"/>
-              <a:t> 政府公開資料相關資源</a:t>
-            </a:r>
-            <a:endParaRPr lang="zh-TW" altLang="en-US" dirty="0"/>
-          </a:p>
-        </p:txBody>
-      </p:sp>
-      <p:sp>
-        <p:nvSpPr>
-          <p:cNvPr id="3" name="內容版面配置區 2">
-            <a:extLst>
-              <a:ext uri="{FF2B5EF4-FFF2-40B4-BE49-F238E27FC236}">
-                <a16:creationId xmlns:a16="http://schemas.microsoft.com/office/drawing/2014/main" id="{9D99FD3C-FEA3-4D62-8152-B3B71E51F91F}"/>
-              </a:ext>
-            </a:extLst>
-          </p:cNvPr>
-          <p:cNvSpPr>
-            <a:spLocks noGrp="1"/>
-          </p:cNvSpPr>
-          <p:nvPr>
-            <p:ph idx="1"/>
-          </p:nvPr>
-        </p:nvSpPr>
-        <p:spPr/>
-        <p:txBody>
-          <a:bodyPr>
-            <a:normAutofit fontScale="70000" lnSpcReduction="20000"/>
-          </a:bodyPr>
-          <a:lstStyle/>
-          <a:p>
-            <a:pPr marL="0" indent="0">
-              <a:buNone/>
-            </a:pPr>
-            <a:r>
-              <a:rPr lang="zh-TW" altLang="en-US" dirty="0"/>
-              <a:t>以下列出台灣部分的政府公開資料，下面列出的只是一小部分，還有很多其他政府或非政府的</a:t>
+              <a:t>開放資料</a:t>
             </a:r>
             <a:r>
               <a:rPr lang="en-US" altLang="zh-TW" dirty="0"/>
-              <a:t>Open data</a:t>
-            </a:r>
-            <a:r>
-              <a:rPr lang="zh-TW" altLang="en-US" dirty="0"/>
-              <a:t>可以自行探索</a:t>
-            </a:r>
-          </a:p>
-          <a:p>
-            <a:r>
-              <a:rPr lang="zh-TW" altLang="en-US" dirty="0">
-                <a:hlinkClick r:id="rId3"/>
-              </a:rPr>
-              <a:t>政府資料開放平台</a:t>
-            </a:r>
-            <a:endParaRPr lang="zh-TW" altLang="en-US" dirty="0"/>
-          </a:p>
-          <a:p>
-            <a:r>
-              <a:rPr lang="zh-TW" altLang="en-US" dirty="0">
-                <a:hlinkClick r:id="rId4"/>
-              </a:rPr>
-              <a:t>臺北市資料大平台</a:t>
-            </a:r>
-            <a:endParaRPr lang="zh-TW" altLang="en-US" dirty="0"/>
-          </a:p>
-          <a:p>
-            <a:r>
-              <a:rPr lang="zh-TW" altLang="en-US" dirty="0">
-                <a:hlinkClick r:id="rId5"/>
-              </a:rPr>
-              <a:t>社會經濟資料服務平台</a:t>
-            </a:r>
-            <a:endParaRPr lang="zh-TW" altLang="en-US" dirty="0"/>
-          </a:p>
-          <a:p>
-            <a:r>
-              <a:rPr lang="zh-TW" altLang="en-US" dirty="0">
-                <a:hlinkClick r:id="rId6"/>
-              </a:rPr>
-              <a:t>中華民國統計資訊網</a:t>
-            </a:r>
-            <a:endParaRPr lang="zh-TW" altLang="en-US" dirty="0"/>
-          </a:p>
-          <a:p>
-            <a:r>
-              <a:rPr lang="zh-TW" altLang="en-US" dirty="0">
-                <a:hlinkClick r:id="rId7"/>
-              </a:rPr>
-              <a:t>教育部統計資料</a:t>
-            </a:r>
-            <a:endParaRPr lang="zh-TW" altLang="en-US" dirty="0"/>
-          </a:p>
-          <a:p>
-            <a:r>
-              <a:rPr lang="zh-TW" altLang="en-US" dirty="0">
-                <a:hlinkClick r:id="rId8"/>
-              </a:rPr>
-              <a:t>衛服部統計資料</a:t>
-            </a:r>
-            <a:endParaRPr lang="zh-TW" altLang="en-US" dirty="0"/>
-          </a:p>
-          <a:p>
-            <a:r>
-              <a:rPr lang="zh-TW" altLang="en-US" dirty="0">
-                <a:hlinkClick r:id="rId9"/>
-              </a:rPr>
-              <a:t>內政部警政署統計資料</a:t>
-            </a:r>
-            <a:endParaRPr lang="zh-TW" altLang="en-US" dirty="0"/>
-          </a:p>
-          <a:p>
-            <a:r>
-              <a:rPr lang="en-US" altLang="zh-TW" dirty="0">
-                <a:hlinkClick r:id="rId10"/>
-              </a:rPr>
-              <a:t>PRIDE</a:t>
-            </a:r>
-            <a:r>
-              <a:rPr lang="zh-TW" altLang="en-US" dirty="0">
-                <a:hlinkClick r:id="rId10"/>
-              </a:rPr>
-              <a:t>政策研究指標資料庫</a:t>
-            </a:r>
-            <a:endParaRPr lang="zh-TW" altLang="en-US" dirty="0"/>
-          </a:p>
-          <a:p>
-            <a:pPr marL="0" indent="0">
-              <a:buNone/>
-            </a:pPr>
-            <a:r>
-              <a:rPr lang="zh-TW" altLang="en-US" dirty="0"/>
-              <a:t>除台灣外，世界各國也有各自的</a:t>
+              <a:t>(</a:t>
+            </a:r>
+            <a:r>
+              <a:rPr lang="zh-TW" altLang="en-US" dirty="0"/>
+              <a:t>英語：</a:t>
             </a:r>
             <a:r>
               <a:rPr lang="en-US" altLang="zh-TW" dirty="0"/>
-              <a:t>Open data</a:t>
-            </a:r>
-            <a:r>
-              <a:rPr lang="zh-TW" altLang="en-US" dirty="0"/>
-              <a:t>，可以用關鍵字自行查找，另外也有</a:t>
-            </a:r>
-            <a:r>
-              <a:rPr lang="zh-TW" altLang="en-US" dirty="0">
-                <a:hlinkClick r:id="rId11"/>
-              </a:rPr>
-              <a:t>網站</a:t>
-            </a:r>
-            <a:r>
-              <a:rPr lang="zh-TW" altLang="en-US" dirty="0"/>
-              <a:t>整理世界各地約</a:t>
-            </a:r>
-            <a:r>
-              <a:rPr lang="en-US" altLang="zh-TW" dirty="0"/>
-              <a:t>2600</a:t>
-            </a:r>
-            <a:r>
-              <a:rPr lang="zh-TW" altLang="en-US" dirty="0"/>
-              <a:t>以上的開放資料庫，可以按照地圖去查找</a:t>
-            </a:r>
-          </a:p>
-          <a:p>
-            <a:pPr marL="0" indent="0">
-              <a:buNone/>
-            </a:pPr>
-            <a:r>
-              <a:rPr lang="zh-TW" altLang="en-US" dirty="0"/>
-              <a:t>參考</a:t>
-            </a:r>
-            <a:r>
-              <a:rPr lang="en-US" altLang="zh-TW" dirty="0"/>
-              <a:t>: </a:t>
-            </a:r>
-            <a:r>
-              <a:rPr lang="zh-TW" altLang="en-US" dirty="0">
-                <a:hlinkClick r:id="rId12"/>
-              </a:rPr>
-              <a:t>資料分析人的福利：</a:t>
-            </a:r>
-            <a:r>
-              <a:rPr lang="en-US" altLang="zh-TW" dirty="0">
-                <a:hlinkClick r:id="rId12"/>
-              </a:rPr>
-              <a:t>20</a:t>
-            </a:r>
-            <a:r>
-              <a:rPr lang="zh-TW" altLang="en-US" dirty="0">
-                <a:hlinkClick r:id="rId12"/>
-              </a:rPr>
-              <a:t>個免費開放資料源</a:t>
-            </a:r>
-            <a:endParaRPr lang="zh-TW" altLang="en-US" dirty="0"/>
-          </a:p>
-          <a:p>
-            <a:pPr marL="0" indent="0">
-              <a:buNone/>
-            </a:pPr>
-            <a:endParaRPr lang="zh-TW" altLang="en-US" dirty="0"/>
+              <a:t>Open data)</a:t>
+            </a:r>
+            <a:r>
+              <a:rPr lang="zh-TW" altLang="en-US" dirty="0"/>
+              <a:t>指的是一種經過挑選與許可的資料。這種資料不受著作權、專利權，以及其他管理機制所限制，可以開放給社會公眾，任何人都可以自由出版使用，不論是要拿來出版或是做其他的運用都不加以限制。</a:t>
+            </a:r>
           </a:p>
         </p:txBody>
       </p:sp>
@@ -6204,7 +6313,7 @@
     </p:custDataLst>
     <p:extLst>
       <p:ext uri="{BB962C8B-B14F-4D97-AF65-F5344CB8AC3E}">
-        <p14:creationId xmlns:p14="http://schemas.microsoft.com/office/powerpoint/2010/main" val="2471121191"/>
+        <p14:creationId xmlns:p14="http://schemas.microsoft.com/office/powerpoint/2010/main" val="338091518"/>
       </p:ext>
     </p:extLst>
   </p:cSld>
@@ -6236,7 +6345,7 @@
           <p:cNvPr id="2" name="標題 1">
             <a:extLst>
               <a:ext uri="{FF2B5EF4-FFF2-40B4-BE49-F238E27FC236}">
-                <a16:creationId xmlns:a16="http://schemas.microsoft.com/office/drawing/2014/main" id="{26315561-863C-411A-8729-EB16B122DB6B}"/>
+                <a16:creationId xmlns:a16="http://schemas.microsoft.com/office/drawing/2014/main" id="{E1B452CF-5350-41A2-9F93-8F70A80FE906}"/>
               </a:ext>
             </a:extLst>
           </p:cNvPr>
@@ -6262,7 +6371,7 @@
             </a:r>
             <a:r>
               <a:rPr lang="zh-TW" altLang="en-US" b="1" dirty="0"/>
-              <a:t> 公開調查資料</a:t>
+              <a:t> 政府公開資料相關資源</a:t>
             </a:r>
             <a:endParaRPr lang="zh-TW" altLang="en-US" dirty="0"/>
           </a:p>
@@ -6273,7 +6382,7 @@
           <p:cNvPr id="3" name="內容版面配置區 2">
             <a:extLst>
               <a:ext uri="{FF2B5EF4-FFF2-40B4-BE49-F238E27FC236}">
-                <a16:creationId xmlns:a16="http://schemas.microsoft.com/office/drawing/2014/main" id="{50B16F87-3638-4DC9-9F86-A0F9A3AB6E23}"/>
+                <a16:creationId xmlns:a16="http://schemas.microsoft.com/office/drawing/2014/main" id="{9D99FD3C-FEA3-4D62-8152-B3B71E51F91F}"/>
               </a:ext>
             </a:extLst>
           </p:cNvPr>
@@ -6286,7 +6395,9 @@
         </p:nvSpPr>
         <p:spPr/>
         <p:txBody>
-          <a:bodyPr/>
+          <a:bodyPr>
+            <a:normAutofit fontScale="70000" lnSpcReduction="20000"/>
+          </a:bodyPr>
           <a:lstStyle/>
           <a:p>
             <a:pPr marL="0" indent="0">
@@ -6294,7 +6405,7 @@
             </a:pPr>
             <a:r>
               <a:rPr lang="zh-TW" altLang="en-US" dirty="0"/>
-              <a:t>另外也有一些「調查資料」可以免費提供申請下載使用，調查資料可能不像</a:t>
+              <a:t>以下列出台灣部分的政府公開資料，下面列出的只是一小部分，還有很多其他政府或非政府的</a:t>
             </a:r>
             <a:r>
               <a:rPr lang="en-US" altLang="zh-TW" dirty="0"/>
@@ -6302,99 +6413,153 @@
             </a:r>
             <a:r>
               <a:rPr lang="zh-TW" altLang="en-US" dirty="0"/>
-              <a:t>一樣可以隨意使用，但多數公開的調查資料經申請後即可下載使用，</a:t>
-            </a:r>
-          </a:p>
-          <a:p>
-            <a:pPr marL="0" indent="0">
-              <a:buNone/>
-            </a:pPr>
-            <a:r>
-              <a:rPr lang="zh-TW" altLang="en-US" dirty="0"/>
-              <a:t>在台灣多數有公開的調查資料會被整理在</a:t>
-            </a:r>
+              <a:t>可以自行探索</a:t>
+            </a:r>
+          </a:p>
+          <a:p>
             <a:r>
               <a:rPr lang="zh-TW" altLang="en-US" dirty="0">
                 <a:hlinkClick r:id="rId3"/>
               </a:rPr>
-              <a:t>「</a:t>
-            </a:r>
-            <a:r>
-              <a:rPr lang="en-US" altLang="zh-TW" dirty="0">
-                <a:hlinkClick r:id="rId3"/>
-              </a:rPr>
-              <a:t>SRDA</a:t>
-            </a:r>
-            <a:r>
-              <a:rPr lang="zh-TW" altLang="en-US" dirty="0">
-                <a:hlinkClick r:id="rId3"/>
-              </a:rPr>
-              <a:t>學術調查資料庫」</a:t>
-            </a:r>
-            <a:r>
-              <a:rPr lang="zh-TW" altLang="en-US" dirty="0"/>
-              <a:t>當中，其中也包括政府每年的調查型資料，兩者都可以提供申請下載使用，但也需注意相關的參考格式</a:t>
-            </a:r>
-            <a:r>
-              <a:rPr lang="en-US" altLang="zh-TW" dirty="0"/>
-              <a:t>/</a:t>
-            </a:r>
-          </a:p>
-          <a:p>
-            <a:pPr marL="0" indent="0">
-              <a:buNone/>
-            </a:pPr>
-            <a:r>
-              <a:rPr lang="zh-TW" altLang="en-US" dirty="0"/>
-              <a:t>若需要下載資料需要先加入會員，一般而言若不具有學術身分，也可以加入網路會員</a:t>
-            </a:r>
-            <a:r>
-              <a:rPr lang="en-US" altLang="zh-TW" dirty="0"/>
-              <a:t>/</a:t>
-            </a:r>
-          </a:p>
-          <a:p>
-            <a:pPr marL="0" indent="0">
-              <a:buNone/>
-            </a:pPr>
-            <a:r>
-              <a:rPr lang="zh-TW" altLang="en-US" dirty="0"/>
-              <a:t>在</a:t>
-            </a:r>
-            <a:r>
-              <a:rPr lang="en-US" altLang="zh-TW" dirty="0" err="1"/>
-              <a:t>youtube</a:t>
-            </a:r>
-            <a:r>
-              <a:rPr lang="zh-TW" altLang="en-US" dirty="0"/>
-              <a:t>上也有</a:t>
-            </a:r>
-            <a:r>
-              <a:rPr lang="en-US" altLang="zh-TW" dirty="0">
-                <a:hlinkClick r:id="rId4"/>
-              </a:rPr>
-              <a:t>SRDA</a:t>
-            </a:r>
+              <a:t>政府資料開放平台</a:t>
+            </a:r>
+            <a:endParaRPr lang="zh-TW" altLang="en-US" dirty="0"/>
+          </a:p>
+          <a:p>
             <a:r>
               <a:rPr lang="zh-TW" altLang="en-US" dirty="0">
                 <a:hlinkClick r:id="rId4"/>
               </a:rPr>
-              <a:t>頻道</a:t>
-            </a:r>
-            <a:r>
-              <a:rPr lang="zh-TW" altLang="en-US" dirty="0"/>
-              <a:t>與一系列</a:t>
-            </a:r>
+              <a:t>臺北市資料大平台</a:t>
+            </a:r>
+            <a:endParaRPr lang="zh-TW" altLang="en-US" dirty="0"/>
+          </a:p>
+          <a:p>
             <a:r>
               <a:rPr lang="zh-TW" altLang="en-US" dirty="0">
                 <a:hlinkClick r:id="rId5"/>
               </a:rPr>
-              <a:t>使用教學</a:t>
-            </a:r>
-            <a:r>
-              <a:rPr lang="zh-TW" altLang="en-US" dirty="0"/>
-              <a:t>，若有需要可自行觀看</a:t>
-            </a:r>
+              <a:t>社會經濟資料服務平台</a:t>
+            </a:r>
+            <a:endParaRPr lang="zh-TW" altLang="en-US" dirty="0"/>
+          </a:p>
+          <a:p>
+            <a:r>
+              <a:rPr lang="zh-TW" altLang="en-US" dirty="0">
+                <a:hlinkClick r:id="rId6"/>
+              </a:rPr>
+              <a:t>中華民國統計資訊網</a:t>
+            </a:r>
+            <a:endParaRPr lang="zh-TW" altLang="en-US" dirty="0"/>
+          </a:p>
+          <a:p>
+            <a:r>
+              <a:rPr lang="zh-TW" altLang="en-US" dirty="0">
+                <a:hlinkClick r:id="rId7"/>
+              </a:rPr>
+              <a:t>教育部統計資料</a:t>
+            </a:r>
+            <a:endParaRPr lang="zh-TW" altLang="en-US" dirty="0"/>
+          </a:p>
+          <a:p>
+            <a:r>
+              <a:rPr lang="zh-TW" altLang="en-US" dirty="0">
+                <a:hlinkClick r:id="rId8"/>
+              </a:rPr>
+              <a:t>衛服部統計資料</a:t>
+            </a:r>
+            <a:endParaRPr lang="zh-TW" altLang="en-US" dirty="0"/>
+          </a:p>
+          <a:p>
+            <a:r>
+              <a:rPr lang="zh-TW" altLang="en-US" dirty="0">
+                <a:hlinkClick r:id="rId9"/>
+              </a:rPr>
+              <a:t>內政部警政署統計資料</a:t>
+            </a:r>
+            <a:endParaRPr lang="zh-TW" altLang="en-US" dirty="0"/>
+          </a:p>
+          <a:p>
+            <a:r>
+              <a:rPr lang="en-US" altLang="zh-TW" dirty="0">
+                <a:hlinkClick r:id="rId10"/>
+              </a:rPr>
+              <a:t>PRIDE</a:t>
+            </a:r>
+            <a:r>
+              <a:rPr lang="zh-TW" altLang="en-US" dirty="0">
+                <a:hlinkClick r:id="rId10"/>
+              </a:rPr>
+              <a:t>政策研究指標資料庫</a:t>
+            </a:r>
+            <a:endParaRPr lang="zh-TW" altLang="en-US" dirty="0"/>
+          </a:p>
+          <a:p>
+            <a:pPr marL="0" indent="0">
+              <a:buNone/>
+            </a:pPr>
+            <a:r>
+              <a:rPr lang="zh-TW" altLang="en-US" dirty="0"/>
+              <a:t>除台灣外，世界各國也有各自的</a:t>
+            </a:r>
+            <a:r>
+              <a:rPr lang="en-US" altLang="zh-TW" dirty="0"/>
+              <a:t>Open data</a:t>
+            </a:r>
+            <a:r>
+              <a:rPr lang="zh-TW" altLang="en-US" dirty="0"/>
+              <a:t>，可以用關鍵字自行查找，另外也有</a:t>
+            </a:r>
+            <a:r>
+              <a:rPr lang="zh-TW" altLang="en-US" dirty="0">
+                <a:hlinkClick r:id="rId11"/>
+              </a:rPr>
+              <a:t>網站</a:t>
+            </a:r>
+            <a:r>
+              <a:rPr lang="zh-TW" altLang="en-US" dirty="0"/>
+              <a:t>整理世界各地約</a:t>
+            </a:r>
+            <a:r>
+              <a:rPr lang="en-US" altLang="zh-TW" dirty="0"/>
+              <a:t>2600</a:t>
+            </a:r>
+            <a:r>
+              <a:rPr lang="zh-TW" altLang="en-US" dirty="0"/>
+              <a:t>以上的開放資料庫，可以按照地圖去查找</a:t>
+            </a:r>
+          </a:p>
+          <a:p>
+            <a:pPr marL="0" indent="0">
+              <a:buNone/>
+            </a:pPr>
+            <a:r>
+              <a:rPr lang="zh-TW" altLang="en-US" dirty="0"/>
+              <a:t>參考</a:t>
+            </a:r>
+            <a:r>
+              <a:rPr lang="en-US" altLang="zh-TW" dirty="0"/>
+              <a:t>: </a:t>
+            </a:r>
+            <a:r>
+              <a:rPr lang="zh-TW" altLang="en-US" dirty="0">
+                <a:hlinkClick r:id="rId12"/>
+              </a:rPr>
+              <a:t>資料分析人的福利：</a:t>
+            </a:r>
+            <a:r>
+              <a:rPr lang="en-US" altLang="zh-TW" dirty="0">
+                <a:hlinkClick r:id="rId12"/>
+              </a:rPr>
+              <a:t>20</a:t>
+            </a:r>
+            <a:r>
+              <a:rPr lang="zh-TW" altLang="en-US" dirty="0">
+                <a:hlinkClick r:id="rId12"/>
+              </a:rPr>
+              <a:t>個免費開放資料源</a:t>
+            </a:r>
+            <a:endParaRPr lang="zh-TW" altLang="en-US" dirty="0"/>
           </a:p>
           <a:p>
             <a:pPr marL="0" indent="0">
@@ -6410,7 +6575,7 @@
     </p:custDataLst>
     <p:extLst>
       <p:ext uri="{BB962C8B-B14F-4D97-AF65-F5344CB8AC3E}">
-        <p14:creationId xmlns:p14="http://schemas.microsoft.com/office/powerpoint/2010/main" val="2151873703"/>
+        <p14:creationId xmlns:p14="http://schemas.microsoft.com/office/powerpoint/2010/main" val="2471121191"/>
       </p:ext>
     </p:extLst>
   </p:cSld>
@@ -6439,10 +6604,47 @@
       </p:grpSpPr>
       <p:sp>
         <p:nvSpPr>
+          <p:cNvPr id="2" name="標題 1">
+            <a:extLst>
+              <a:ext uri="{FF2B5EF4-FFF2-40B4-BE49-F238E27FC236}">
+                <a16:creationId xmlns:a16="http://schemas.microsoft.com/office/drawing/2014/main" id="{26315561-863C-411A-8729-EB16B122DB6B}"/>
+              </a:ext>
+            </a:extLst>
+          </p:cNvPr>
+          <p:cNvSpPr>
+            <a:spLocks noGrp="1"/>
+          </p:cNvSpPr>
+          <p:nvPr>
+            <p:ph type="title"/>
+          </p:nvPr>
+        </p:nvSpPr>
+        <p:spPr/>
+        <p:txBody>
+          <a:bodyPr/>
+          <a:lstStyle/>
+          <a:p>
+            <a:r>
+              <a:rPr lang="zh-TW" altLang="en-US" b="1" dirty="0"/>
+              <a:t>資料</a:t>
+            </a:r>
+            <a:r>
+              <a:rPr lang="en-US" altLang="zh-TW" b="1" dirty="0"/>
+              <a:t>-</a:t>
+            </a:r>
+            <a:r>
+              <a:rPr lang="zh-TW" altLang="en-US" b="1" dirty="0"/>
+              <a:t> 公開調查資料</a:t>
+            </a:r>
+            <a:endParaRPr lang="zh-TW" altLang="en-US" dirty="0"/>
+          </a:p>
+        </p:txBody>
+      </p:sp>
+      <p:sp>
+        <p:nvSpPr>
           <p:cNvPr id="3" name="內容版面配置區 2">
             <a:extLst>
               <a:ext uri="{FF2B5EF4-FFF2-40B4-BE49-F238E27FC236}">
-                <a16:creationId xmlns:a16="http://schemas.microsoft.com/office/drawing/2014/main" id="{3FC70206-CA7A-4F44-8BB2-6BB677579D5C}"/>
+                <a16:creationId xmlns:a16="http://schemas.microsoft.com/office/drawing/2014/main" id="{50B16F87-3638-4DC9-9F86-A0F9A3AB6E23}"/>
               </a:ext>
             </a:extLst>
           </p:cNvPr>
@@ -6453,68 +6655,133 @@
             <p:ph idx="1"/>
           </p:nvPr>
         </p:nvSpPr>
-        <p:spPr>
-          <a:xfrm>
-            <a:off x="838200" y="785719"/>
-            <a:ext cx="10515600" cy="4351338"/>
-          </a:xfrm>
-        </p:spPr>
+        <p:spPr/>
         <p:txBody>
           <a:bodyPr/>
           <a:lstStyle/>
           <a:p>
-            <a:r>
-              <a:rPr lang="zh-TW" altLang="en-US" dirty="0"/>
-              <a:t>調查型資料的資源也非常豐富，</a:t>
+            <a:pPr marL="0" indent="0">
+              <a:buNone/>
+            </a:pPr>
+            <a:r>
+              <a:rPr lang="zh-TW" altLang="en-US" dirty="0"/>
+              <a:t>另外也有一些「調查資料」可以免費提供申請下載使用，調查資料可能不像</a:t>
             </a:r>
             <a:r>
               <a:rPr lang="en-US" altLang="zh-TW" dirty="0"/>
+              <a:t>Open data</a:t>
+            </a:r>
+            <a:r>
+              <a:rPr lang="zh-TW" altLang="en-US" dirty="0"/>
+              <a:t>一樣可以隨意使用，但多數公開的調查資料經申請後即可下載使用，</a:t>
+            </a:r>
+          </a:p>
+          <a:p>
+            <a:pPr marL="0" indent="0">
+              <a:buNone/>
+            </a:pPr>
+            <a:r>
+              <a:rPr lang="zh-TW" altLang="en-US" dirty="0"/>
+              <a:t>在台灣多數有公開的調查資料會被整理在</a:t>
+            </a:r>
+            <a:r>
+              <a:rPr lang="zh-TW" altLang="en-US" dirty="0">
+                <a:hlinkClick r:id="rId3"/>
+              </a:rPr>
+              <a:t>「</a:t>
+            </a:r>
+            <a:r>
+              <a:rPr lang="en-US" altLang="zh-TW" dirty="0">
+                <a:hlinkClick r:id="rId3"/>
+              </a:rPr>
               <a:t>SRDA</a:t>
             </a:r>
             <a:r>
-              <a:rPr lang="zh-TW" altLang="en-US" dirty="0"/>
-              <a:t>也只是整理出部份台灣的調查資料，另外一些可能是放在該調查官網需自行下載，或是跨國型資料、國外的調查資料，有些可能須申請，有些是公開的，大多數都有問卷可以先查看是否有想要分析的題目再決定是否使用該資料，若有需要可以依需求自行搜索並下載</a:t>
-            </a:r>
-          </a:p>
-        </p:txBody>
-      </p:sp>
-      <p:pic>
-        <p:nvPicPr>
-          <p:cNvPr id="5" name="圖片 4">
-            <a:extLst>
-              <a:ext uri="{FF2B5EF4-FFF2-40B4-BE49-F238E27FC236}">
-                <a16:creationId xmlns:a16="http://schemas.microsoft.com/office/drawing/2014/main" id="{C1279F72-24B7-41CC-A736-2D6715733F2C}"/>
-              </a:ext>
-            </a:extLst>
-          </p:cNvPr>
-          <p:cNvPicPr>
-            <a:picLocks noChangeAspect="1"/>
-          </p:cNvPicPr>
-          <p:nvPr/>
-        </p:nvPicPr>
-        <p:blipFill>
-          <a:blip r:embed="rId3"/>
-          <a:stretch>
-            <a:fillRect/>
-          </a:stretch>
-        </p:blipFill>
-        <p:spPr>
-          <a:xfrm>
-            <a:off x="1209955" y="3275153"/>
-            <a:ext cx="5953125" cy="2686050"/>
-          </a:xfrm>
-          <a:prstGeom prst="rect">
-            <a:avLst/>
-          </a:prstGeom>
-        </p:spPr>
-      </p:pic>
+              <a:rPr lang="zh-TW" altLang="en-US" dirty="0">
+                <a:hlinkClick r:id="rId3"/>
+              </a:rPr>
+              <a:t>學術調查資料庫」</a:t>
+            </a:r>
+            <a:r>
+              <a:rPr lang="zh-TW" altLang="en-US" dirty="0"/>
+              <a:t>當中，其中也包括政府每年的調查型資料，兩者都可以提供申請下載使用，但也需注意相關的參考格式</a:t>
+            </a:r>
+            <a:r>
+              <a:rPr lang="en-US" altLang="zh-TW" dirty="0"/>
+              <a:t>/</a:t>
+            </a:r>
+          </a:p>
+          <a:p>
+            <a:pPr marL="0" indent="0">
+              <a:buNone/>
+            </a:pPr>
+            <a:r>
+              <a:rPr lang="zh-TW" altLang="en-US" dirty="0"/>
+              <a:t>若需要下載資料需要先加入會員，一般而言若不具有學術身分，也可以加入網路會員</a:t>
+            </a:r>
+            <a:r>
+              <a:rPr lang="en-US" altLang="zh-TW" dirty="0"/>
+              <a:t>/</a:t>
+            </a:r>
+          </a:p>
+          <a:p>
+            <a:pPr marL="0" indent="0">
+              <a:buNone/>
+            </a:pPr>
+            <a:r>
+              <a:rPr lang="zh-TW" altLang="en-US" dirty="0"/>
+              <a:t>在</a:t>
+            </a:r>
+            <a:r>
+              <a:rPr lang="en-US" altLang="zh-TW" dirty="0" err="1"/>
+              <a:t>youtube</a:t>
+            </a:r>
+            <a:r>
+              <a:rPr lang="zh-TW" altLang="en-US" dirty="0"/>
+              <a:t>上也有</a:t>
+            </a:r>
+            <a:r>
+              <a:rPr lang="en-US" altLang="zh-TW" dirty="0">
+                <a:hlinkClick r:id="rId4"/>
+              </a:rPr>
+              <a:t>SRDA</a:t>
+            </a:r>
+            <a:r>
+              <a:rPr lang="zh-TW" altLang="en-US" dirty="0">
+                <a:hlinkClick r:id="rId4"/>
+              </a:rPr>
+              <a:t>頻道</a:t>
+            </a:r>
+            <a:r>
+              <a:rPr lang="zh-TW" altLang="en-US" dirty="0"/>
+              <a:t>與一系列</a:t>
+            </a:r>
+            <a:r>
+              <a:rPr lang="zh-TW" altLang="en-US" dirty="0">
+                <a:hlinkClick r:id="rId5"/>
+              </a:rPr>
+              <a:t>使用教學</a:t>
+            </a:r>
+            <a:r>
+              <a:rPr lang="zh-TW" altLang="en-US" dirty="0"/>
+              <a:t>，若有需要可自行觀看</a:t>
+            </a:r>
+          </a:p>
+          <a:p>
+            <a:pPr marL="0" indent="0">
+              <a:buNone/>
+            </a:pPr>
+            <a:endParaRPr lang="zh-TW" altLang="en-US" dirty="0"/>
+          </a:p>
+        </p:txBody>
+      </p:sp>
     </p:spTree>
     <p:custDataLst>
       <p:tags r:id="rId1"/>
     </p:custDataLst>
     <p:extLst>
       <p:ext uri="{BB962C8B-B14F-4D97-AF65-F5344CB8AC3E}">
-        <p14:creationId xmlns:p14="http://schemas.microsoft.com/office/powerpoint/2010/main" val="4034054043"/>
+        <p14:creationId xmlns:p14="http://schemas.microsoft.com/office/powerpoint/2010/main" val="2151873703"/>
       </p:ext>
     </p:extLst>
   </p:cSld>

--- a/ppt/前言_關於本講義.pptx
+++ b/ppt/前言_關於本講義.pptx
@@ -272,7 +272,7 @@
           <a:p>
             <a:fld id="{9449D47F-9350-4D75-8BE7-C25999CDD34D}" type="datetimeFigureOut">
               <a:rPr lang="zh-TW" altLang="en-US" smtClean="0"/>
-              <a:t>2023/8/20</a:t>
+              <a:t>2023/9/20</a:t>
             </a:fld>
             <a:endParaRPr lang="zh-TW" altLang="en-US"/>
           </a:p>
@@ -470,7 +470,7 @@
           <a:p>
             <a:fld id="{9449D47F-9350-4D75-8BE7-C25999CDD34D}" type="datetimeFigureOut">
               <a:rPr lang="zh-TW" altLang="en-US" smtClean="0"/>
-              <a:t>2023/8/20</a:t>
+              <a:t>2023/9/20</a:t>
             </a:fld>
             <a:endParaRPr lang="zh-TW" altLang="en-US"/>
           </a:p>
@@ -678,7 +678,7 @@
           <a:p>
             <a:fld id="{9449D47F-9350-4D75-8BE7-C25999CDD34D}" type="datetimeFigureOut">
               <a:rPr lang="zh-TW" altLang="en-US" smtClean="0"/>
-              <a:t>2023/8/20</a:t>
+              <a:t>2023/9/20</a:t>
             </a:fld>
             <a:endParaRPr lang="zh-TW" altLang="en-US"/>
           </a:p>
@@ -876,7 +876,7 @@
           <a:p>
             <a:fld id="{9449D47F-9350-4D75-8BE7-C25999CDD34D}" type="datetimeFigureOut">
               <a:rPr lang="zh-TW" altLang="en-US" smtClean="0"/>
-              <a:t>2023/8/20</a:t>
+              <a:t>2023/9/20</a:t>
             </a:fld>
             <a:endParaRPr lang="zh-TW" altLang="en-US"/>
           </a:p>
@@ -1151,7 +1151,7 @@
           <a:p>
             <a:fld id="{9449D47F-9350-4D75-8BE7-C25999CDD34D}" type="datetimeFigureOut">
               <a:rPr lang="zh-TW" altLang="en-US" smtClean="0"/>
-              <a:t>2023/8/20</a:t>
+              <a:t>2023/9/20</a:t>
             </a:fld>
             <a:endParaRPr lang="zh-TW" altLang="en-US"/>
           </a:p>
@@ -1416,7 +1416,7 @@
           <a:p>
             <a:fld id="{9449D47F-9350-4D75-8BE7-C25999CDD34D}" type="datetimeFigureOut">
               <a:rPr lang="zh-TW" altLang="en-US" smtClean="0"/>
-              <a:t>2023/8/20</a:t>
+              <a:t>2023/9/20</a:t>
             </a:fld>
             <a:endParaRPr lang="zh-TW" altLang="en-US"/>
           </a:p>
@@ -1828,7 +1828,7 @@
           <a:p>
             <a:fld id="{9449D47F-9350-4D75-8BE7-C25999CDD34D}" type="datetimeFigureOut">
               <a:rPr lang="zh-TW" altLang="en-US" smtClean="0"/>
-              <a:t>2023/8/20</a:t>
+              <a:t>2023/9/20</a:t>
             </a:fld>
             <a:endParaRPr lang="zh-TW" altLang="en-US"/>
           </a:p>
@@ -1969,7 +1969,7 @@
           <a:p>
             <a:fld id="{9449D47F-9350-4D75-8BE7-C25999CDD34D}" type="datetimeFigureOut">
               <a:rPr lang="zh-TW" altLang="en-US" smtClean="0"/>
-              <a:t>2023/8/20</a:t>
+              <a:t>2023/9/20</a:t>
             </a:fld>
             <a:endParaRPr lang="zh-TW" altLang="en-US"/>
           </a:p>
@@ -2082,7 +2082,7 @@
           <a:p>
             <a:fld id="{9449D47F-9350-4D75-8BE7-C25999CDD34D}" type="datetimeFigureOut">
               <a:rPr lang="zh-TW" altLang="en-US" smtClean="0"/>
-              <a:t>2023/8/20</a:t>
+              <a:t>2023/9/20</a:t>
             </a:fld>
             <a:endParaRPr lang="zh-TW" altLang="en-US"/>
           </a:p>
@@ -2393,7 +2393,7 @@
           <a:p>
             <a:fld id="{9449D47F-9350-4D75-8BE7-C25999CDD34D}" type="datetimeFigureOut">
               <a:rPr lang="zh-TW" altLang="en-US" smtClean="0"/>
-              <a:t>2023/8/20</a:t>
+              <a:t>2023/9/20</a:t>
             </a:fld>
             <a:endParaRPr lang="zh-TW" altLang="en-US"/>
           </a:p>
@@ -2681,7 +2681,7 @@
           <a:p>
             <a:fld id="{9449D47F-9350-4D75-8BE7-C25999CDD34D}" type="datetimeFigureOut">
               <a:rPr lang="zh-TW" altLang="en-US" smtClean="0"/>
-              <a:t>2023/8/20</a:t>
+              <a:t>2023/9/20</a:t>
             </a:fld>
             <a:endParaRPr lang="zh-TW" altLang="en-US"/>
           </a:p>
@@ -2922,7 +2922,7 @@
           <a:p>
             <a:fld id="{9449D47F-9350-4D75-8BE7-C25999CDD34D}" type="datetimeFigureOut">
               <a:rPr lang="zh-TW" altLang="en-US" smtClean="0"/>
-              <a:t>2023/8/20</a:t>
+              <a:t>2023/9/20</a:t>
             </a:fld>
             <a:endParaRPr lang="zh-TW" altLang="en-US"/>
           </a:p>
@@ -3837,12 +3837,17 @@
           <a:p>
             <a:r>
               <a:rPr lang="zh-TW" altLang="en-US" dirty="0"/>
-              <a:t>安裝套件和</a:t>
+              <a:t>簡介</a:t>
             </a:r>
             <a:r>
               <a:rPr lang="en-US" altLang="zh-TW" dirty="0"/>
-              <a:t>help</a:t>
-            </a:r>
+              <a:t>R</a:t>
+            </a:r>
+            <a:r>
+              <a:rPr lang="zh-TW" altLang="en-US" dirty="0"/>
+              <a:t>套件</a:t>
+            </a:r>
+            <a:endParaRPr lang="en-US" altLang="zh-TW" dirty="0"/>
           </a:p>
           <a:p>
             <a:r>
@@ -4079,13 +4084,14 @@
           <a:p>
             <a:r>
               <a:rPr lang="zh-TW" altLang="en-US" dirty="0"/>
+              <a:t>資料型態</a:t>
+            </a:r>
+            <a:endParaRPr lang="en-US" altLang="zh-TW" dirty="0"/>
+          </a:p>
+          <a:p>
+            <a:r>
+              <a:rPr lang="zh-TW" altLang="en-US" dirty="0"/>
               <a:t>基本運算</a:t>
-            </a:r>
-          </a:p>
-          <a:p>
-            <a:r>
-              <a:rPr lang="zh-TW" altLang="en-US" dirty="0"/>
-              <a:t>資料型態</a:t>
             </a:r>
           </a:p>
           <a:p>
